--- a/RECICLAJE INTELIGENTE.pptx
+++ b/RECICLAJE INTELIGENTE.pptx
@@ -9,10 +9,12 @@
     <p:sldId id="258" r:id="rId3"/>
     <p:sldId id="260" r:id="rId4"/>
     <p:sldId id="262" r:id="rId5"/>
-    <p:sldId id="257" r:id="rId6"/>
-    <p:sldId id="264" r:id="rId7"/>
-    <p:sldId id="265" r:id="rId8"/>
-    <p:sldId id="266" r:id="rId9"/>
+    <p:sldId id="267" r:id="rId6"/>
+    <p:sldId id="268" r:id="rId7"/>
+    <p:sldId id="269" r:id="rId8"/>
+    <p:sldId id="264" r:id="rId9"/>
+    <p:sldId id="265" r:id="rId10"/>
+    <p:sldId id="266" r:id="rId11"/>
   </p:sldIdLst>
   <p:sldSz cx="12192000" cy="6858000"/>
   <p:notesSz cx="6858000" cy="9144000"/>
@@ -250,7 +252,7 @@
           <a:p>
             <a:fld id="{6111638D-ECAC-4911-BF78-2D55BB98130A}" type="datetimeFigureOut">
               <a:rPr lang="en-US" smtClean="0"/>
-              <a:t>8/24/2018</a:t>
+              <a:t>3/4/2019</a:t>
             </a:fld>
             <a:endParaRPr lang="en-US" dirty="0"/>
           </a:p>
@@ -420,7 +422,7 @@
           <a:p>
             <a:fld id="{6111638D-ECAC-4911-BF78-2D55BB98130A}" type="datetimeFigureOut">
               <a:rPr lang="en-US" smtClean="0"/>
-              <a:t>8/24/2018</a:t>
+              <a:t>3/4/2019</a:t>
             </a:fld>
             <a:endParaRPr lang="en-US" dirty="0"/>
           </a:p>
@@ -600,7 +602,7 @@
           <a:p>
             <a:fld id="{6111638D-ECAC-4911-BF78-2D55BB98130A}" type="datetimeFigureOut">
               <a:rPr lang="en-US" smtClean="0"/>
-              <a:t>8/24/2018</a:t>
+              <a:t>3/4/2019</a:t>
             </a:fld>
             <a:endParaRPr lang="en-US" dirty="0"/>
           </a:p>
@@ -770,7 +772,7 @@
           <a:p>
             <a:fld id="{6111638D-ECAC-4911-BF78-2D55BB98130A}" type="datetimeFigureOut">
               <a:rPr lang="en-US" smtClean="0"/>
-              <a:t>8/24/2018</a:t>
+              <a:t>3/4/2019</a:t>
             </a:fld>
             <a:endParaRPr lang="en-US" dirty="0"/>
           </a:p>
@@ -1016,7 +1018,7 @@
           <a:p>
             <a:fld id="{6111638D-ECAC-4911-BF78-2D55BB98130A}" type="datetimeFigureOut">
               <a:rPr lang="en-US" smtClean="0"/>
-              <a:t>8/24/2018</a:t>
+              <a:t>3/4/2019</a:t>
             </a:fld>
             <a:endParaRPr lang="en-US" dirty="0"/>
           </a:p>
@@ -1248,7 +1250,7 @@
           <a:p>
             <a:fld id="{6111638D-ECAC-4911-BF78-2D55BB98130A}" type="datetimeFigureOut">
               <a:rPr lang="en-US" smtClean="0"/>
-              <a:t>8/24/2018</a:t>
+              <a:t>3/4/2019</a:t>
             </a:fld>
             <a:endParaRPr lang="en-US" dirty="0"/>
           </a:p>
@@ -1615,7 +1617,7 @@
           <a:p>
             <a:fld id="{6111638D-ECAC-4911-BF78-2D55BB98130A}" type="datetimeFigureOut">
               <a:rPr lang="en-US" smtClean="0"/>
-              <a:t>8/24/2018</a:t>
+              <a:t>3/4/2019</a:t>
             </a:fld>
             <a:endParaRPr lang="en-US" dirty="0"/>
           </a:p>
@@ -1733,7 +1735,7 @@
           <a:p>
             <a:fld id="{6111638D-ECAC-4911-BF78-2D55BB98130A}" type="datetimeFigureOut">
               <a:rPr lang="en-US" smtClean="0"/>
-              <a:t>8/24/2018</a:t>
+              <a:t>3/4/2019</a:t>
             </a:fld>
             <a:endParaRPr lang="en-US" dirty="0"/>
           </a:p>
@@ -1828,7 +1830,7 @@
           <a:p>
             <a:fld id="{6111638D-ECAC-4911-BF78-2D55BB98130A}" type="datetimeFigureOut">
               <a:rPr lang="en-US" smtClean="0"/>
-              <a:t>8/24/2018</a:t>
+              <a:t>3/4/2019</a:t>
             </a:fld>
             <a:endParaRPr lang="en-US" dirty="0"/>
           </a:p>
@@ -2105,7 +2107,7 @@
           <a:p>
             <a:fld id="{6111638D-ECAC-4911-BF78-2D55BB98130A}" type="datetimeFigureOut">
               <a:rPr lang="en-US" smtClean="0"/>
-              <a:t>8/24/2018</a:t>
+              <a:t>3/4/2019</a:t>
             </a:fld>
             <a:endParaRPr lang="en-US" dirty="0"/>
           </a:p>
@@ -2358,7 +2360,7 @@
           <a:p>
             <a:fld id="{6111638D-ECAC-4911-BF78-2D55BB98130A}" type="datetimeFigureOut">
               <a:rPr lang="en-US" smtClean="0"/>
-              <a:t>8/24/2018</a:t>
+              <a:t>3/4/2019</a:t>
             </a:fld>
             <a:endParaRPr lang="en-US" dirty="0"/>
           </a:p>
@@ -2571,7 +2573,7 @@
           <a:p>
             <a:fld id="{6111638D-ECAC-4911-BF78-2D55BB98130A}" type="datetimeFigureOut">
               <a:rPr lang="en-US" smtClean="0"/>
-              <a:t>8/24/2018</a:t>
+              <a:t>3/4/2019</a:t>
             </a:fld>
             <a:endParaRPr lang="en-US" dirty="0"/>
           </a:p>
@@ -3194,6 +3196,103 @@
 </p:sld>
 </file>
 
+<file path=ppt/slides/slide10.xml><?xml version="1.0" encoding="utf-8"?>
+<p:sld xmlns:a="http://schemas.openxmlformats.org/drawingml/2006/main" xmlns:r="http://schemas.openxmlformats.org/officeDocument/2006/relationships" xmlns:p="http://schemas.openxmlformats.org/presentationml/2006/main">
+  <p:cSld>
+    <p:spTree>
+      <p:nvGrpSpPr>
+        <p:cNvPr id="1" name=""/>
+        <p:cNvGrpSpPr/>
+        <p:nvPr/>
+      </p:nvGrpSpPr>
+      <p:grpSpPr>
+        <a:xfrm>
+          <a:off x="0" y="0"/>
+          <a:ext cx="0" cy="0"/>
+          <a:chOff x="0" y="0"/>
+          <a:chExt cx="0" cy="0"/>
+        </a:xfrm>
+      </p:grpSpPr>
+      <p:pic>
+        <p:nvPicPr>
+          <p:cNvPr id="4" name="Imagen 3"/>
+          <p:cNvPicPr>
+            <a:picLocks noChangeAspect="1"/>
+          </p:cNvPicPr>
+          <p:nvPr/>
+        </p:nvPicPr>
+        <p:blipFill>
+          <a:blip r:embed="rId2" cstate="print">
+            <a:extLst>
+              <a:ext uri="{28A0092B-C50C-407E-A947-70E740481C1C}">
+                <a14:useLocalDpi xmlns:a14="http://schemas.microsoft.com/office/drawing/2010/main" val="0"/>
+              </a:ext>
+            </a:extLst>
+          </a:blip>
+          <a:stretch>
+            <a:fillRect/>
+          </a:stretch>
+        </p:blipFill>
+        <p:spPr>
+          <a:xfrm>
+            <a:off x="0" y="0"/>
+            <a:ext cx="12192000" cy="6858000"/>
+          </a:xfrm>
+          <a:prstGeom prst="rect">
+            <a:avLst/>
+          </a:prstGeom>
+        </p:spPr>
+      </p:pic>
+      <p:pic>
+        <p:nvPicPr>
+          <p:cNvPr id="5" name="Imagen 4"/>
+          <p:cNvPicPr>
+            <a:picLocks noChangeAspect="1"/>
+          </p:cNvPicPr>
+          <p:nvPr/>
+        </p:nvPicPr>
+        <p:blipFill>
+          <a:blip r:embed="rId3" cstate="print">
+            <a:extLst>
+              <a:ext uri="{28A0092B-C50C-407E-A947-70E740481C1C}">
+                <a14:useLocalDpi xmlns:a14="http://schemas.microsoft.com/office/drawing/2010/main" val="0"/>
+              </a:ext>
+            </a:extLst>
+          </a:blip>
+          <a:stretch>
+            <a:fillRect/>
+          </a:stretch>
+        </p:blipFill>
+        <p:spPr>
+          <a:xfrm>
+            <a:off x="1658983" y="0"/>
+            <a:ext cx="8360228" cy="6858000"/>
+          </a:xfrm>
+          <a:prstGeom prst="rect">
+            <a:avLst/>
+          </a:prstGeom>
+        </p:spPr>
+      </p:pic>
+    </p:spTree>
+    <p:extLst>
+      <p:ext uri="{BB962C8B-B14F-4D97-AF65-F5344CB8AC3E}">
+        <p14:creationId xmlns:p14="http://schemas.microsoft.com/office/powerpoint/2010/main" val="2450903547"/>
+      </p:ext>
+    </p:extLst>
+  </p:cSld>
+  <p:clrMapOvr>
+    <a:masterClrMapping/>
+  </p:clrMapOvr>
+  <p:timing>
+    <p:tnLst>
+      <p:par>
+        <p:cTn id="1" dur="indefinite" restart="never" nodeType="tmRoot"/>
+      </p:par>
+    </p:tnLst>
+  </p:timing>
+</p:sld>
+</file>
+
 <file path=ppt/slides/slide2.xml><?xml version="1.0" encoding="utf-8"?>
 <p:sld xmlns:a="http://schemas.openxmlformats.org/drawingml/2006/main" xmlns:r="http://schemas.openxmlformats.org/officeDocument/2006/relationships" xmlns:p="http://schemas.openxmlformats.org/presentationml/2006/main">
   <p:cSld>
@@ -3349,15 +3448,7 @@
             <a:pPr algn="just"/>
             <a:r>
               <a:rPr lang="es-ES" sz="2400" dirty="0" smtClean="0"/>
-              <a:t>Diseñar </a:t>
-            </a:r>
-            <a:r>
-              <a:rPr lang="es-ES" sz="2400" dirty="0" smtClean="0"/>
-              <a:t>un </a:t>
-            </a:r>
-            <a:r>
-              <a:rPr lang="es-ES" sz="2400" dirty="0" smtClean="0"/>
-              <a:t>software para un </a:t>
+              <a:t>Diseñar un software para un </a:t>
             </a:r>
             <a:r>
               <a:rPr lang="es-ES" sz="2400" dirty="0"/>
@@ -3365,15 +3456,7 @@
             </a:r>
             <a:r>
               <a:rPr lang="es-ES" sz="2400" dirty="0" smtClean="0"/>
-              <a:t>reciclaje inteligente, controlado a través de Inteligencia </a:t>
-            </a:r>
-            <a:r>
-              <a:rPr lang="es-ES" sz="2400" dirty="0" smtClean="0"/>
-              <a:t>Artificial para la clasificación </a:t>
-            </a:r>
-            <a:r>
-              <a:rPr lang="es-ES" sz="2400" dirty="0" smtClean="0"/>
-              <a:t>en tres tipos de reciclaje:</a:t>
+              <a:t>reciclaje inteligente, controlado a través de Inteligencia Artificial para la clasificación en tres tipos de reciclaje:</a:t>
             </a:r>
           </a:p>
           <a:p>
@@ -3663,15 +3746,7 @@
             </a:r>
             <a:r>
               <a:rPr lang="es-ES" dirty="0" smtClean="0"/>
-              <a:t>reciclaje, </a:t>
-            </a:r>
-            <a:r>
-              <a:rPr lang="es-ES" dirty="0" smtClean="0"/>
-              <a:t>optimizando así los tiempos</a:t>
-            </a:r>
-            <a:r>
-              <a:rPr lang="es-ES" dirty="0" smtClean="0"/>
-              <a:t>.</a:t>
+              <a:t>reciclaje, optimizando así los tiempos.</a:t>
             </a:r>
           </a:p>
           <a:p>
@@ -4078,30 +4153,18 @@
           <a:bodyPr/>
           <a:lstStyle/>
           <a:p>
-            <a:pPr algn="just"/>
-            <a:r>
-              <a:rPr lang="es-ES" dirty="0"/>
-              <a:t>Queremos llegar a todo el público con un producto amigable para </a:t>
-            </a:r>
-            <a:r>
-              <a:rPr lang="es-ES" dirty="0" smtClean="0"/>
-              <a:t>todos y que </a:t>
-            </a:r>
-            <a:r>
-              <a:rPr lang="es-ES" dirty="0"/>
-              <a:t>su propósito sea fácil de entender.</a:t>
-            </a:r>
-            <a:endParaRPr lang="en-US" dirty="0"/>
-          </a:p>
-          <a:p>
-            <a:endParaRPr lang="en-US" dirty="0"/>
+            <a:r>
+              <a:rPr lang="es-CO" dirty="0" smtClean="0"/>
+              <a:t>Con el presente proyecto, se espera desarrollar un prototipo funcional que sirva como base para un futuro progreso en este.</a:t>
+            </a:r>
+            <a:endParaRPr lang="es-CO" dirty="0"/>
           </a:p>
         </p:txBody>
       </p:sp>
     </p:spTree>
     <p:extLst>
       <p:ext uri="{BB962C8B-B14F-4D97-AF65-F5344CB8AC3E}">
-        <p14:creationId xmlns:p14="http://schemas.microsoft.com/office/powerpoint/2010/main" val="2569420761"/>
+        <p14:creationId xmlns:p14="http://schemas.microsoft.com/office/powerpoint/2010/main" val="440010827"/>
       </p:ext>
     </p:extLst>
   </p:cSld>
@@ -4119,6 +4182,1837 @@
 </file>
 
 <file path=ppt/slides/slide6.xml><?xml version="1.0" encoding="utf-8"?>
+<p:sld xmlns:a="http://schemas.openxmlformats.org/drawingml/2006/main" xmlns:r="http://schemas.openxmlformats.org/officeDocument/2006/relationships" xmlns:p="http://schemas.openxmlformats.org/presentationml/2006/main">
+  <p:cSld>
+    <p:spTree>
+      <p:nvGrpSpPr>
+        <p:cNvPr id="1" name=""/>
+        <p:cNvGrpSpPr/>
+        <p:nvPr/>
+      </p:nvGrpSpPr>
+      <p:grpSpPr>
+        <a:xfrm>
+          <a:off x="0" y="0"/>
+          <a:ext cx="0" cy="0"/>
+          <a:chOff x="0" y="0"/>
+          <a:chExt cx="0" cy="0"/>
+        </a:xfrm>
+      </p:grpSpPr>
+      <p:pic>
+        <p:nvPicPr>
+          <p:cNvPr id="5" name="Imagen 4"/>
+          <p:cNvPicPr>
+            <a:picLocks noChangeAspect="1"/>
+          </p:cNvPicPr>
+          <p:nvPr/>
+        </p:nvPicPr>
+        <p:blipFill>
+          <a:blip r:embed="rId2" cstate="print">
+            <a:extLst>
+              <a:ext uri="{28A0092B-C50C-407E-A947-70E740481C1C}">
+                <a14:useLocalDpi xmlns:a14="http://schemas.microsoft.com/office/drawing/2010/main" val="0"/>
+              </a:ext>
+            </a:extLst>
+          </a:blip>
+          <a:stretch>
+            <a:fillRect/>
+          </a:stretch>
+        </p:blipFill>
+        <p:spPr>
+          <a:xfrm>
+            <a:off x="0" y="0"/>
+            <a:ext cx="12192000" cy="6858000"/>
+          </a:xfrm>
+          <a:prstGeom prst="rect">
+            <a:avLst/>
+          </a:prstGeom>
+        </p:spPr>
+      </p:pic>
+      <p:sp>
+        <p:nvSpPr>
+          <p:cNvPr id="2" name="Título 1"/>
+          <p:cNvSpPr>
+            <a:spLocks noGrp="1"/>
+          </p:cNvSpPr>
+          <p:nvPr>
+            <p:ph type="title"/>
+          </p:nvPr>
+        </p:nvSpPr>
+        <p:spPr>
+          <a:xfrm>
+            <a:off x="812074" y="0"/>
+            <a:ext cx="10515600" cy="1325563"/>
+          </a:xfrm>
+        </p:spPr>
+        <p:txBody>
+          <a:bodyPr/>
+          <a:lstStyle/>
+          <a:p>
+            <a:pPr algn="ctr"/>
+            <a:r>
+              <a:rPr lang="es-CO" b="1" dirty="0" smtClean="0">
+                <a:ln w="12700">
+                  <a:solidFill>
+                    <a:schemeClr val="tx2">
+                      <a:lumMod val="75000"/>
+                    </a:schemeClr>
+                  </a:solidFill>
+                  <a:prstDash val="solid"/>
+                </a:ln>
+                <a:pattFill prst="dkUpDiag">
+                  <a:fgClr>
+                    <a:schemeClr val="tx2"/>
+                  </a:fgClr>
+                  <a:bgClr>
+                    <a:schemeClr val="tx2">
+                      <a:lumMod val="20000"/>
+                      <a:lumOff val="80000"/>
+                    </a:schemeClr>
+                  </a:bgClr>
+                </a:pattFill>
+                <a:effectLst>
+                  <a:outerShdw dist="38100" dir="2640000" algn="bl" rotWithShape="0">
+                    <a:schemeClr val="tx2">
+                      <a:lumMod val="75000"/>
+                    </a:schemeClr>
+                  </a:outerShdw>
+                </a:effectLst>
+              </a:rPr>
+              <a:t>REQUERIMIENTOS FUNCIONALES</a:t>
+            </a:r>
+            <a:endParaRPr lang="en-US" b="1" dirty="0">
+              <a:ln w="12700">
+                <a:solidFill>
+                  <a:schemeClr val="tx2">
+                    <a:lumMod val="75000"/>
+                  </a:schemeClr>
+                </a:solidFill>
+                <a:prstDash val="solid"/>
+              </a:ln>
+              <a:pattFill prst="dkUpDiag">
+                <a:fgClr>
+                  <a:schemeClr val="tx2"/>
+                </a:fgClr>
+                <a:bgClr>
+                  <a:schemeClr val="tx2">
+                    <a:lumMod val="20000"/>
+                    <a:lumOff val="80000"/>
+                  </a:schemeClr>
+                </a:bgClr>
+              </a:pattFill>
+              <a:effectLst>
+                <a:outerShdw dist="38100" dir="2640000" algn="bl" rotWithShape="0">
+                  <a:schemeClr val="tx2">
+                    <a:lumMod val="75000"/>
+                  </a:schemeClr>
+                </a:outerShdw>
+              </a:effectLst>
+            </a:endParaRPr>
+          </a:p>
+        </p:txBody>
+      </p:sp>
+      <p:graphicFrame>
+        <p:nvGraphicFramePr>
+          <p:cNvPr id="4" name="Marcador de contenido 3"/>
+          <p:cNvGraphicFramePr>
+            <a:graphicFrameLocks noGrp="1"/>
+          </p:cNvGraphicFramePr>
+          <p:nvPr>
+            <p:ph idx="1"/>
+            <p:extLst>
+              <p:ext uri="{D42A27DB-BD31-4B8C-83A1-F6EECF244321}">
+                <p14:modId xmlns:p14="http://schemas.microsoft.com/office/powerpoint/2010/main" val="785915162"/>
+              </p:ext>
+            </p:extLst>
+          </p:nvPr>
+        </p:nvGraphicFramePr>
+        <p:xfrm>
+          <a:off x="1072242" y="1107871"/>
+          <a:ext cx="9995264" cy="5076725"/>
+        </p:xfrm>
+        <a:graphic>
+          <a:graphicData uri="http://schemas.openxmlformats.org/drawingml/2006/table">
+            <a:tbl>
+              <a:tblPr firstRow="1" firstCol="1" bandRow="1">
+                <a:tableStyleId>{5C22544A-7EE6-4342-B048-85BDC9FD1C3A}</a:tableStyleId>
+              </a:tblPr>
+              <a:tblGrid>
+                <a:gridCol w="4997632">
+                  <a:extLst>
+                    <a:ext uri="{9D8B030D-6E8A-4147-A177-3AD203B41FA5}">
+                      <a16:colId xmlns:a16="http://schemas.microsoft.com/office/drawing/2014/main" val="577108584"/>
+                    </a:ext>
+                  </a:extLst>
+                </a:gridCol>
+                <a:gridCol w="4997632">
+                  <a:extLst>
+                    <a:ext uri="{9D8B030D-6E8A-4147-A177-3AD203B41FA5}">
+                      <a16:colId xmlns:a16="http://schemas.microsoft.com/office/drawing/2014/main" val="2587469942"/>
+                    </a:ext>
+                  </a:extLst>
+                </a:gridCol>
+              </a:tblGrid>
+              <a:tr h="162933">
+                <a:tc>
+                  <a:txBody>
+                    <a:bodyPr/>
+                    <a:lstStyle/>
+                    <a:p>
+                      <a:pPr>
+                        <a:spcAft>
+                          <a:spcPts val="0"/>
+                        </a:spcAft>
+                      </a:pPr>
+                      <a:r>
+                        <a:rPr lang="es-CO" sz="1300" dirty="0">
+                          <a:solidFill>
+                            <a:schemeClr val="tx1"/>
+                          </a:solidFill>
+                          <a:effectLst/>
+                        </a:rPr>
+                        <a:t>RF </a:t>
+                      </a:r>
+                      <a:r>
+                        <a:rPr lang="es-CO" sz="1300" dirty="0" smtClean="0">
+                          <a:solidFill>
+                            <a:schemeClr val="tx1"/>
+                          </a:solidFill>
+                          <a:effectLst/>
+                        </a:rPr>
+                        <a:t>#1</a:t>
+                      </a:r>
+                      <a:endParaRPr lang="en-US" sz="1300" dirty="0">
+                        <a:solidFill>
+                          <a:schemeClr val="tx1"/>
+                        </a:solidFill>
+                        <a:effectLst/>
+                        <a:latin typeface="Times New Roman" panose="02020603050405020304" pitchFamily="18" charset="0"/>
+                        <a:ea typeface="Times New Roman" panose="02020603050405020304" pitchFamily="18" charset="0"/>
+                        <a:cs typeface="Times New Roman" panose="02020603050405020304" pitchFamily="18" charset="0"/>
+                      </a:endParaRPr>
+                    </a:p>
+                  </a:txBody>
+                  <a:tcPr marL="43417" marR="43417" marT="0" marB="0"/>
+                </a:tc>
+                <a:tc>
+                  <a:txBody>
+                    <a:bodyPr/>
+                    <a:lstStyle/>
+                    <a:p>
+                      <a:pPr>
+                        <a:spcAft>
+                          <a:spcPts val="0"/>
+                        </a:spcAft>
+                      </a:pPr>
+                      <a:r>
+                        <a:rPr lang="es-CO" sz="1300" dirty="0">
+                          <a:effectLst/>
+                        </a:rPr>
+                        <a:t>01 Caja</a:t>
+                      </a:r>
+                      <a:endParaRPr lang="en-US" sz="1300" dirty="0">
+                        <a:effectLst/>
+                        <a:latin typeface="Times New Roman" panose="02020603050405020304" pitchFamily="18" charset="0"/>
+                        <a:ea typeface="Times New Roman" panose="02020603050405020304" pitchFamily="18" charset="0"/>
+                        <a:cs typeface="Times New Roman" panose="02020603050405020304" pitchFamily="18" charset="0"/>
+                      </a:endParaRPr>
+                    </a:p>
+                  </a:txBody>
+                  <a:tcPr marL="43417" marR="43417" marT="0" marB="0"/>
+                </a:tc>
+                <a:extLst>
+                  <a:ext uri="{0D108BD9-81ED-4DB2-BD59-A6C34878D82A}">
+                    <a16:rowId xmlns:a16="http://schemas.microsoft.com/office/drawing/2014/main" val="848376227"/>
+                  </a:ext>
+                </a:extLst>
+              </a:tr>
+              <a:tr h="325865">
+                <a:tc>
+                  <a:txBody>
+                    <a:bodyPr/>
+                    <a:lstStyle/>
+                    <a:p>
+                      <a:pPr>
+                        <a:spcAft>
+                          <a:spcPts val="0"/>
+                        </a:spcAft>
+                      </a:pPr>
+                      <a:r>
+                        <a:rPr lang="es-CO" sz="1300" dirty="0">
+                          <a:solidFill>
+                            <a:schemeClr val="tx1"/>
+                          </a:solidFill>
+                          <a:effectLst/>
+                        </a:rPr>
+                        <a:t>Cámara</a:t>
+                      </a:r>
+                      <a:endParaRPr lang="en-US" sz="1300" dirty="0">
+                        <a:solidFill>
+                          <a:schemeClr val="tx1"/>
+                        </a:solidFill>
+                        <a:effectLst/>
+                        <a:latin typeface="Times New Roman" panose="02020603050405020304" pitchFamily="18" charset="0"/>
+                        <a:ea typeface="Times New Roman" panose="02020603050405020304" pitchFamily="18" charset="0"/>
+                        <a:cs typeface="Times New Roman" panose="02020603050405020304" pitchFamily="18" charset="0"/>
+                      </a:endParaRPr>
+                    </a:p>
+                  </a:txBody>
+                  <a:tcPr marL="43417" marR="43417" marT="0" marB="0"/>
+                </a:tc>
+                <a:tc>
+                  <a:txBody>
+                    <a:bodyPr/>
+                    <a:lstStyle/>
+                    <a:p>
+                      <a:pPr>
+                        <a:spcAft>
+                          <a:spcPts val="0"/>
+                        </a:spcAft>
+                      </a:pPr>
+                      <a:r>
+                        <a:rPr lang="es-CO" sz="1300">
+                          <a:effectLst/>
+                        </a:rPr>
+                        <a:t> Esta cámara instalada en la caja deberá tomar la foto del material para ser posteriormente analizada para su respectivo reciclaje.</a:t>
+                      </a:r>
+                      <a:endParaRPr lang="en-US" sz="1300">
+                        <a:effectLst/>
+                        <a:latin typeface="Times New Roman" panose="02020603050405020304" pitchFamily="18" charset="0"/>
+                        <a:ea typeface="Times New Roman" panose="02020603050405020304" pitchFamily="18" charset="0"/>
+                        <a:cs typeface="Times New Roman" panose="02020603050405020304" pitchFamily="18" charset="0"/>
+                      </a:endParaRPr>
+                    </a:p>
+                  </a:txBody>
+                  <a:tcPr marL="43417" marR="43417" marT="0" marB="0"/>
+                </a:tc>
+                <a:extLst>
+                  <a:ext uri="{0D108BD9-81ED-4DB2-BD59-A6C34878D82A}">
+                    <a16:rowId xmlns:a16="http://schemas.microsoft.com/office/drawing/2014/main" val="1823794374"/>
+                  </a:ext>
+                </a:extLst>
+              </a:tr>
+              <a:tr h="198415">
+                <a:tc>
+                  <a:txBody>
+                    <a:bodyPr/>
+                    <a:lstStyle/>
+                    <a:p>
+                      <a:pPr>
+                        <a:spcAft>
+                          <a:spcPts val="0"/>
+                        </a:spcAft>
+                      </a:pPr>
+                      <a:r>
+                        <a:rPr lang="es-CO" sz="1300" dirty="0">
+                          <a:solidFill>
+                            <a:schemeClr val="tx1"/>
+                          </a:solidFill>
+                          <a:effectLst/>
+                        </a:rPr>
+                        <a:t>RF </a:t>
+                      </a:r>
+                      <a:r>
+                        <a:rPr lang="es-CO" sz="1300" dirty="0" smtClean="0">
+                          <a:solidFill>
+                            <a:schemeClr val="tx1"/>
+                          </a:solidFill>
+                          <a:effectLst/>
+                        </a:rPr>
+                        <a:t>#2</a:t>
+                      </a:r>
+                      <a:endParaRPr lang="en-US" sz="1300" dirty="0">
+                        <a:solidFill>
+                          <a:schemeClr val="tx1"/>
+                        </a:solidFill>
+                        <a:effectLst/>
+                        <a:latin typeface="Times New Roman" panose="02020603050405020304" pitchFamily="18" charset="0"/>
+                        <a:ea typeface="Times New Roman" panose="02020603050405020304" pitchFamily="18" charset="0"/>
+                        <a:cs typeface="Times New Roman" panose="02020603050405020304" pitchFamily="18" charset="0"/>
+                      </a:endParaRPr>
+                    </a:p>
+                  </a:txBody>
+                  <a:tcPr marL="43417" marR="43417" marT="0" marB="0"/>
+                </a:tc>
+                <a:tc>
+                  <a:txBody>
+                    <a:bodyPr/>
+                    <a:lstStyle/>
+                    <a:p>
+                      <a:pPr>
+                        <a:spcAft>
+                          <a:spcPts val="0"/>
+                        </a:spcAft>
+                      </a:pPr>
+                      <a:r>
+                        <a:rPr lang="es-CO" sz="1300" dirty="0" smtClean="0">
+                          <a:effectLst/>
+                        </a:rPr>
+                        <a:t>02 </a:t>
+                      </a:r>
+                      <a:r>
+                        <a:rPr lang="es-CO" sz="1300" dirty="0">
+                          <a:effectLst/>
+                        </a:rPr>
+                        <a:t>Caja</a:t>
+                      </a:r>
+                      <a:endParaRPr lang="en-US" sz="1300" dirty="0">
+                        <a:effectLst/>
+                        <a:latin typeface="Times New Roman" panose="02020603050405020304" pitchFamily="18" charset="0"/>
+                        <a:ea typeface="Times New Roman" panose="02020603050405020304" pitchFamily="18" charset="0"/>
+                        <a:cs typeface="Times New Roman" panose="02020603050405020304" pitchFamily="18" charset="0"/>
+                      </a:endParaRPr>
+                    </a:p>
+                  </a:txBody>
+                  <a:tcPr marL="43417" marR="43417" marT="0" marB="0"/>
+                </a:tc>
+                <a:extLst>
+                  <a:ext uri="{0D108BD9-81ED-4DB2-BD59-A6C34878D82A}">
+                    <a16:rowId xmlns:a16="http://schemas.microsoft.com/office/drawing/2014/main" val="3796273073"/>
+                  </a:ext>
+                </a:extLst>
+              </a:tr>
+              <a:tr h="488798">
+                <a:tc>
+                  <a:txBody>
+                    <a:bodyPr/>
+                    <a:lstStyle/>
+                    <a:p>
+                      <a:pPr>
+                        <a:spcAft>
+                          <a:spcPts val="0"/>
+                        </a:spcAft>
+                      </a:pPr>
+                      <a:r>
+                        <a:rPr lang="es-CO" sz="1300" dirty="0">
+                          <a:solidFill>
+                            <a:schemeClr val="tx1"/>
+                          </a:solidFill>
+                          <a:effectLst/>
+                        </a:rPr>
+                        <a:t>Scanner</a:t>
+                      </a:r>
+                      <a:endParaRPr lang="en-US" sz="1300" dirty="0">
+                        <a:solidFill>
+                          <a:schemeClr val="tx1"/>
+                        </a:solidFill>
+                        <a:effectLst/>
+                        <a:latin typeface="Times New Roman" panose="02020603050405020304" pitchFamily="18" charset="0"/>
+                        <a:ea typeface="Times New Roman" panose="02020603050405020304" pitchFamily="18" charset="0"/>
+                        <a:cs typeface="Times New Roman" panose="02020603050405020304" pitchFamily="18" charset="0"/>
+                      </a:endParaRPr>
+                    </a:p>
+                  </a:txBody>
+                  <a:tcPr marL="43417" marR="43417" marT="0" marB="0"/>
+                </a:tc>
+                <a:tc>
+                  <a:txBody>
+                    <a:bodyPr/>
+                    <a:lstStyle/>
+                    <a:p>
+                      <a:pPr>
+                        <a:spcAft>
+                          <a:spcPts val="0"/>
+                        </a:spcAft>
+                      </a:pPr>
+                      <a:r>
+                        <a:rPr lang="es-CO" sz="1300" dirty="0">
+                          <a:effectLst/>
+                        </a:rPr>
+                        <a:t> El Scanner debe cumplir la función de que cuando una persona deposite un material en la caja, se active inmediatamente el sistema.</a:t>
+                      </a:r>
+                      <a:endParaRPr lang="en-US" sz="1300" dirty="0">
+                        <a:effectLst/>
+                        <a:latin typeface="Times New Roman" panose="02020603050405020304" pitchFamily="18" charset="0"/>
+                        <a:ea typeface="Times New Roman" panose="02020603050405020304" pitchFamily="18" charset="0"/>
+                        <a:cs typeface="Times New Roman" panose="02020603050405020304" pitchFamily="18" charset="0"/>
+                      </a:endParaRPr>
+                    </a:p>
+                  </a:txBody>
+                  <a:tcPr marL="43417" marR="43417" marT="0" marB="0"/>
+                </a:tc>
+                <a:extLst>
+                  <a:ext uri="{0D108BD9-81ED-4DB2-BD59-A6C34878D82A}">
+                    <a16:rowId xmlns:a16="http://schemas.microsoft.com/office/drawing/2014/main" val="1006162690"/>
+                  </a:ext>
+                </a:extLst>
+              </a:tr>
+              <a:tr h="162933">
+                <a:tc>
+                  <a:txBody>
+                    <a:bodyPr/>
+                    <a:lstStyle/>
+                    <a:p>
+                      <a:pPr>
+                        <a:spcAft>
+                          <a:spcPts val="0"/>
+                        </a:spcAft>
+                      </a:pPr>
+                      <a:r>
+                        <a:rPr lang="es-CO" sz="1300" dirty="0">
+                          <a:solidFill>
+                            <a:schemeClr val="tx1"/>
+                          </a:solidFill>
+                          <a:effectLst/>
+                        </a:rPr>
+                        <a:t>RF </a:t>
+                      </a:r>
+                      <a:r>
+                        <a:rPr lang="es-CO" sz="1300" dirty="0" smtClean="0">
+                          <a:solidFill>
+                            <a:schemeClr val="tx1"/>
+                          </a:solidFill>
+                          <a:effectLst/>
+                        </a:rPr>
+                        <a:t>#3</a:t>
+                      </a:r>
+                      <a:endParaRPr lang="en-US" sz="1300" dirty="0">
+                        <a:solidFill>
+                          <a:schemeClr val="tx1"/>
+                        </a:solidFill>
+                        <a:effectLst/>
+                        <a:latin typeface="Times New Roman" panose="02020603050405020304" pitchFamily="18" charset="0"/>
+                        <a:ea typeface="Times New Roman" panose="02020603050405020304" pitchFamily="18" charset="0"/>
+                        <a:cs typeface="Times New Roman" panose="02020603050405020304" pitchFamily="18" charset="0"/>
+                      </a:endParaRPr>
+                    </a:p>
+                  </a:txBody>
+                  <a:tcPr marL="43417" marR="43417" marT="0" marB="0"/>
+                </a:tc>
+                <a:tc>
+                  <a:txBody>
+                    <a:bodyPr/>
+                    <a:lstStyle/>
+                    <a:p>
+                      <a:pPr>
+                        <a:spcAft>
+                          <a:spcPts val="0"/>
+                        </a:spcAft>
+                      </a:pPr>
+                      <a:r>
+                        <a:rPr lang="es-CO" sz="1300" dirty="0" smtClean="0">
+                          <a:effectLst/>
+                        </a:rPr>
+                        <a:t>03 </a:t>
+                      </a:r>
+                      <a:r>
+                        <a:rPr lang="es-CO" sz="1300" dirty="0">
+                          <a:effectLst/>
+                        </a:rPr>
+                        <a:t>Caja</a:t>
+                      </a:r>
+                      <a:endParaRPr lang="en-US" sz="1300" dirty="0">
+                        <a:effectLst/>
+                        <a:latin typeface="Times New Roman" panose="02020603050405020304" pitchFamily="18" charset="0"/>
+                        <a:ea typeface="Times New Roman" panose="02020603050405020304" pitchFamily="18" charset="0"/>
+                        <a:cs typeface="Times New Roman" panose="02020603050405020304" pitchFamily="18" charset="0"/>
+                      </a:endParaRPr>
+                    </a:p>
+                  </a:txBody>
+                  <a:tcPr marL="43417" marR="43417" marT="0" marB="0"/>
+                </a:tc>
+                <a:extLst>
+                  <a:ext uri="{0D108BD9-81ED-4DB2-BD59-A6C34878D82A}">
+                    <a16:rowId xmlns:a16="http://schemas.microsoft.com/office/drawing/2014/main" val="2815492413"/>
+                  </a:ext>
+                </a:extLst>
+              </a:tr>
+              <a:tr h="638236">
+                <a:tc>
+                  <a:txBody>
+                    <a:bodyPr/>
+                    <a:lstStyle/>
+                    <a:p>
+                      <a:pPr>
+                        <a:spcAft>
+                          <a:spcPts val="0"/>
+                        </a:spcAft>
+                      </a:pPr>
+                      <a:r>
+                        <a:rPr lang="es-CO" sz="1300" dirty="0">
+                          <a:solidFill>
+                            <a:schemeClr val="tx1"/>
+                          </a:solidFill>
+                          <a:effectLst/>
+                        </a:rPr>
+                        <a:t>Servomotor 1</a:t>
+                      </a:r>
+                      <a:endParaRPr lang="en-US" sz="1300" dirty="0">
+                        <a:solidFill>
+                          <a:schemeClr val="tx1"/>
+                        </a:solidFill>
+                        <a:effectLst/>
+                        <a:latin typeface="Times New Roman" panose="02020603050405020304" pitchFamily="18" charset="0"/>
+                        <a:ea typeface="Times New Roman" panose="02020603050405020304" pitchFamily="18" charset="0"/>
+                        <a:cs typeface="Times New Roman" panose="02020603050405020304" pitchFamily="18" charset="0"/>
+                      </a:endParaRPr>
+                    </a:p>
+                  </a:txBody>
+                  <a:tcPr marL="43417" marR="43417" marT="0" marB="0"/>
+                </a:tc>
+                <a:tc>
+                  <a:txBody>
+                    <a:bodyPr/>
+                    <a:lstStyle/>
+                    <a:p>
+                      <a:pPr>
+                        <a:spcAft>
+                          <a:spcPts val="0"/>
+                        </a:spcAft>
+                      </a:pPr>
+                      <a:r>
+                        <a:rPr lang="es-CO" sz="1300" dirty="0">
+                          <a:effectLst/>
+                        </a:rPr>
+                        <a:t> Luego de que el material haya sido analizado, el servomotor debe abrir la escotilla para dejar entrar a este hacia los ductos que posteriormente lo llevarán hacia su respectivo basurero. </a:t>
+                      </a:r>
+                      <a:endParaRPr lang="en-US" sz="1300" dirty="0">
+                        <a:effectLst/>
+                        <a:latin typeface="Times New Roman" panose="02020603050405020304" pitchFamily="18" charset="0"/>
+                        <a:ea typeface="Times New Roman" panose="02020603050405020304" pitchFamily="18" charset="0"/>
+                        <a:cs typeface="Times New Roman" panose="02020603050405020304" pitchFamily="18" charset="0"/>
+                      </a:endParaRPr>
+                    </a:p>
+                  </a:txBody>
+                  <a:tcPr marL="43417" marR="43417" marT="0" marB="0"/>
+                </a:tc>
+                <a:extLst>
+                  <a:ext uri="{0D108BD9-81ED-4DB2-BD59-A6C34878D82A}">
+                    <a16:rowId xmlns:a16="http://schemas.microsoft.com/office/drawing/2014/main" val="1125414906"/>
+                  </a:ext>
+                </a:extLst>
+              </a:tr>
+              <a:tr h="162933">
+                <a:tc>
+                  <a:txBody>
+                    <a:bodyPr/>
+                    <a:lstStyle/>
+                    <a:p>
+                      <a:pPr>
+                        <a:spcAft>
+                          <a:spcPts val="0"/>
+                        </a:spcAft>
+                      </a:pPr>
+                      <a:r>
+                        <a:rPr lang="es-CO" sz="1300" dirty="0">
+                          <a:solidFill>
+                            <a:schemeClr val="tx1"/>
+                          </a:solidFill>
+                          <a:effectLst/>
+                        </a:rPr>
+                        <a:t>RF </a:t>
+                      </a:r>
+                      <a:r>
+                        <a:rPr lang="es-CO" sz="1300" dirty="0" smtClean="0">
+                          <a:solidFill>
+                            <a:schemeClr val="tx1"/>
+                          </a:solidFill>
+                          <a:effectLst/>
+                        </a:rPr>
+                        <a:t>#</a:t>
+                      </a:r>
+                      <a:r>
+                        <a:rPr lang="es-CO" sz="1300" dirty="0" smtClean="0">
+                          <a:solidFill>
+                            <a:schemeClr val="tx1"/>
+                          </a:solidFill>
+                          <a:effectLst/>
+                        </a:rPr>
+                        <a:t>3.1</a:t>
+                      </a:r>
+                      <a:endParaRPr lang="en-US" sz="1300" dirty="0">
+                        <a:solidFill>
+                          <a:schemeClr val="tx1"/>
+                        </a:solidFill>
+                        <a:effectLst/>
+                        <a:latin typeface="Times New Roman" panose="02020603050405020304" pitchFamily="18" charset="0"/>
+                        <a:ea typeface="Times New Roman" panose="02020603050405020304" pitchFamily="18" charset="0"/>
+                        <a:cs typeface="Times New Roman" panose="02020603050405020304" pitchFamily="18" charset="0"/>
+                      </a:endParaRPr>
+                    </a:p>
+                  </a:txBody>
+                  <a:tcPr marL="43417" marR="43417" marT="0" marB="0"/>
+                </a:tc>
+                <a:tc>
+                  <a:txBody>
+                    <a:bodyPr/>
+                    <a:lstStyle/>
+                    <a:p>
+                      <a:pPr>
+                        <a:spcAft>
+                          <a:spcPts val="0"/>
+                        </a:spcAft>
+                      </a:pPr>
+                      <a:r>
+                        <a:rPr lang="es-CO" sz="1300" dirty="0">
+                          <a:effectLst/>
+                        </a:rPr>
+                        <a:t>01 Ductos</a:t>
+                      </a:r>
+                      <a:endParaRPr lang="en-US" sz="1300" dirty="0">
+                        <a:effectLst/>
+                        <a:latin typeface="Times New Roman" panose="02020603050405020304" pitchFamily="18" charset="0"/>
+                        <a:ea typeface="Times New Roman" panose="02020603050405020304" pitchFamily="18" charset="0"/>
+                        <a:cs typeface="Times New Roman" panose="02020603050405020304" pitchFamily="18" charset="0"/>
+                      </a:endParaRPr>
+                    </a:p>
+                  </a:txBody>
+                  <a:tcPr marL="43417" marR="43417" marT="0" marB="0"/>
+                </a:tc>
+                <a:extLst>
+                  <a:ext uri="{0D108BD9-81ED-4DB2-BD59-A6C34878D82A}">
+                    <a16:rowId xmlns:a16="http://schemas.microsoft.com/office/drawing/2014/main" val="1564425522"/>
+                  </a:ext>
+                </a:extLst>
+              </a:tr>
+              <a:tr h="488798">
+                <a:tc>
+                  <a:txBody>
+                    <a:bodyPr/>
+                    <a:lstStyle/>
+                    <a:p>
+                      <a:pPr>
+                        <a:spcAft>
+                          <a:spcPts val="0"/>
+                        </a:spcAft>
+                      </a:pPr>
+                      <a:r>
+                        <a:rPr lang="es-CO" sz="1300" dirty="0">
+                          <a:solidFill>
+                            <a:schemeClr val="tx1"/>
+                          </a:solidFill>
+                          <a:effectLst/>
+                        </a:rPr>
+                        <a:t>Servomotores 2 </a:t>
+                      </a:r>
+                      <a:r>
+                        <a:rPr lang="es-CO" sz="1300" dirty="0" smtClean="0">
+                          <a:solidFill>
+                            <a:schemeClr val="tx1"/>
+                          </a:solidFill>
+                          <a:effectLst/>
+                        </a:rPr>
+                        <a:t>y</a:t>
+                      </a:r>
+                      <a:r>
+                        <a:rPr lang="es-CO" sz="1300" baseline="0" dirty="0" smtClean="0">
+                          <a:solidFill>
+                            <a:schemeClr val="tx1"/>
+                          </a:solidFill>
+                          <a:effectLst/>
+                        </a:rPr>
+                        <a:t> 3</a:t>
+                      </a:r>
+                      <a:endParaRPr lang="en-US" sz="1300" dirty="0">
+                        <a:solidFill>
+                          <a:schemeClr val="tx1"/>
+                        </a:solidFill>
+                        <a:effectLst/>
+                        <a:latin typeface="Times New Roman" panose="02020603050405020304" pitchFamily="18" charset="0"/>
+                        <a:ea typeface="Times New Roman" panose="02020603050405020304" pitchFamily="18" charset="0"/>
+                        <a:cs typeface="Times New Roman" panose="02020603050405020304" pitchFamily="18" charset="0"/>
+                      </a:endParaRPr>
+                    </a:p>
+                  </a:txBody>
+                  <a:tcPr marL="43417" marR="43417" marT="0" marB="0"/>
+                </a:tc>
+                <a:tc>
+                  <a:txBody>
+                    <a:bodyPr/>
+                    <a:lstStyle/>
+                    <a:p>
+                      <a:pPr>
+                        <a:spcAft>
+                          <a:spcPts val="0"/>
+                        </a:spcAft>
+                      </a:pPr>
+                      <a:r>
+                        <a:rPr lang="es-CO" sz="1300" dirty="0">
+                          <a:effectLst/>
+                        </a:rPr>
+                        <a:t> Los servomotores deben </a:t>
+                      </a:r>
+                      <a:r>
+                        <a:rPr lang="es-CO" sz="1300" dirty="0" smtClean="0">
+                          <a:effectLst/>
+                        </a:rPr>
+                        <a:t>mover</a:t>
+                      </a:r>
+                      <a:r>
+                        <a:rPr lang="es-CO" sz="1300" baseline="0" dirty="0" smtClean="0">
+                          <a:effectLst/>
+                        </a:rPr>
+                        <a:t> las </a:t>
+                      </a:r>
+                      <a:r>
+                        <a:rPr lang="es-CO" sz="1300" dirty="0" smtClean="0">
+                          <a:effectLst/>
+                        </a:rPr>
+                        <a:t>escotillas </a:t>
+                      </a:r>
+                      <a:r>
+                        <a:rPr lang="es-CO" sz="1300" dirty="0">
+                          <a:effectLst/>
+                        </a:rPr>
+                        <a:t>dependiendo de las condiciones que arroje el sistema, para así llevar el material a su respectivo basurero.</a:t>
+                      </a:r>
+                      <a:endParaRPr lang="en-US" sz="1300" dirty="0">
+                        <a:effectLst/>
+                        <a:latin typeface="Times New Roman" panose="02020603050405020304" pitchFamily="18" charset="0"/>
+                        <a:ea typeface="Times New Roman" panose="02020603050405020304" pitchFamily="18" charset="0"/>
+                        <a:cs typeface="Times New Roman" panose="02020603050405020304" pitchFamily="18" charset="0"/>
+                      </a:endParaRPr>
+                    </a:p>
+                  </a:txBody>
+                  <a:tcPr marL="43417" marR="43417" marT="0" marB="0"/>
+                </a:tc>
+                <a:extLst>
+                  <a:ext uri="{0D108BD9-81ED-4DB2-BD59-A6C34878D82A}">
+                    <a16:rowId xmlns:a16="http://schemas.microsoft.com/office/drawing/2014/main" val="1479907972"/>
+                  </a:ext>
+                </a:extLst>
+              </a:tr>
+              <a:tr h="162933">
+                <a:tc>
+                  <a:txBody>
+                    <a:bodyPr/>
+                    <a:lstStyle/>
+                    <a:p>
+                      <a:pPr>
+                        <a:spcAft>
+                          <a:spcPts val="0"/>
+                        </a:spcAft>
+                      </a:pPr>
+                      <a:r>
+                        <a:rPr lang="es-CO" sz="1300" dirty="0">
+                          <a:solidFill>
+                            <a:schemeClr val="tx1"/>
+                          </a:solidFill>
+                          <a:effectLst/>
+                        </a:rPr>
+                        <a:t>RF </a:t>
+                      </a:r>
+                      <a:r>
+                        <a:rPr lang="es-CO" sz="1300" dirty="0" smtClean="0">
+                          <a:solidFill>
+                            <a:schemeClr val="tx1"/>
+                          </a:solidFill>
+                          <a:effectLst/>
+                        </a:rPr>
+                        <a:t>#4</a:t>
+                      </a:r>
+                      <a:endParaRPr lang="en-US" sz="1300" dirty="0">
+                        <a:solidFill>
+                          <a:schemeClr val="tx1"/>
+                        </a:solidFill>
+                        <a:effectLst/>
+                        <a:latin typeface="Times New Roman" panose="02020603050405020304" pitchFamily="18" charset="0"/>
+                        <a:ea typeface="Times New Roman" panose="02020603050405020304" pitchFamily="18" charset="0"/>
+                        <a:cs typeface="Times New Roman" panose="02020603050405020304" pitchFamily="18" charset="0"/>
+                      </a:endParaRPr>
+                    </a:p>
+                  </a:txBody>
+                  <a:tcPr marL="43417" marR="43417" marT="0" marB="0"/>
+                </a:tc>
+                <a:tc>
+                  <a:txBody>
+                    <a:bodyPr/>
+                    <a:lstStyle/>
+                    <a:p>
+                      <a:pPr>
+                        <a:spcAft>
+                          <a:spcPts val="0"/>
+                        </a:spcAft>
+                      </a:pPr>
+                      <a:r>
+                        <a:rPr lang="es-CO" sz="1300" dirty="0">
+                          <a:effectLst/>
+                        </a:rPr>
+                        <a:t>01 Sistema</a:t>
+                      </a:r>
+                      <a:endParaRPr lang="en-US" sz="1300" dirty="0">
+                        <a:effectLst/>
+                        <a:latin typeface="Times New Roman" panose="02020603050405020304" pitchFamily="18" charset="0"/>
+                        <a:ea typeface="Times New Roman" panose="02020603050405020304" pitchFamily="18" charset="0"/>
+                        <a:cs typeface="Times New Roman" panose="02020603050405020304" pitchFamily="18" charset="0"/>
+                      </a:endParaRPr>
+                    </a:p>
+                  </a:txBody>
+                  <a:tcPr marL="43417" marR="43417" marT="0" marB="0"/>
+                </a:tc>
+                <a:extLst>
+                  <a:ext uri="{0D108BD9-81ED-4DB2-BD59-A6C34878D82A}">
+                    <a16:rowId xmlns:a16="http://schemas.microsoft.com/office/drawing/2014/main" val="1588586064"/>
+                  </a:ext>
+                </a:extLst>
+              </a:tr>
+              <a:tr h="488798">
+                <a:tc>
+                  <a:txBody>
+                    <a:bodyPr/>
+                    <a:lstStyle/>
+                    <a:p>
+                      <a:pPr>
+                        <a:spcAft>
+                          <a:spcPts val="0"/>
+                        </a:spcAft>
+                      </a:pPr>
+                      <a:r>
+                        <a:rPr lang="es-CO" sz="1300" dirty="0">
+                          <a:solidFill>
+                            <a:schemeClr val="tx1"/>
+                          </a:solidFill>
+                          <a:effectLst/>
+                        </a:rPr>
+                        <a:t>Análisis</a:t>
+                      </a:r>
+                      <a:endParaRPr lang="en-US" sz="1300" dirty="0">
+                        <a:solidFill>
+                          <a:schemeClr val="tx1"/>
+                        </a:solidFill>
+                        <a:effectLst/>
+                        <a:latin typeface="Times New Roman" panose="02020603050405020304" pitchFamily="18" charset="0"/>
+                        <a:ea typeface="Times New Roman" panose="02020603050405020304" pitchFamily="18" charset="0"/>
+                        <a:cs typeface="Times New Roman" panose="02020603050405020304" pitchFamily="18" charset="0"/>
+                      </a:endParaRPr>
+                    </a:p>
+                  </a:txBody>
+                  <a:tcPr marL="43417" marR="43417" marT="0" marB="0"/>
+                </a:tc>
+                <a:tc>
+                  <a:txBody>
+                    <a:bodyPr/>
+                    <a:lstStyle/>
+                    <a:p>
+                      <a:pPr>
+                        <a:spcAft>
+                          <a:spcPts val="0"/>
+                        </a:spcAft>
+                      </a:pPr>
+                      <a:r>
+                        <a:rPr lang="es-CO" sz="1300" dirty="0">
+                          <a:effectLst/>
+                        </a:rPr>
+                        <a:t> El sistema debe analizar el material usando la API de Google llamada </a:t>
+                      </a:r>
+                      <a:r>
+                        <a:rPr lang="es-CO" sz="1300" dirty="0" err="1">
+                          <a:effectLst/>
+                        </a:rPr>
+                        <a:t>Vision</a:t>
+                      </a:r>
+                      <a:r>
+                        <a:rPr lang="es-CO" sz="1300" dirty="0">
+                          <a:effectLst/>
+                        </a:rPr>
+                        <a:t> para así determinar el nombre del objeto que está en la foto.</a:t>
+                      </a:r>
+                      <a:endParaRPr lang="en-US" sz="1300" dirty="0">
+                        <a:effectLst/>
+                        <a:latin typeface="Times New Roman" panose="02020603050405020304" pitchFamily="18" charset="0"/>
+                        <a:ea typeface="Times New Roman" panose="02020603050405020304" pitchFamily="18" charset="0"/>
+                        <a:cs typeface="Times New Roman" panose="02020603050405020304" pitchFamily="18" charset="0"/>
+                      </a:endParaRPr>
+                    </a:p>
+                  </a:txBody>
+                  <a:tcPr marL="43417" marR="43417" marT="0" marB="0"/>
+                </a:tc>
+                <a:extLst>
+                  <a:ext uri="{0D108BD9-81ED-4DB2-BD59-A6C34878D82A}">
+                    <a16:rowId xmlns:a16="http://schemas.microsoft.com/office/drawing/2014/main" val="362086826"/>
+                  </a:ext>
+                </a:extLst>
+              </a:tr>
+              <a:tr h="162933">
+                <a:tc>
+                  <a:txBody>
+                    <a:bodyPr/>
+                    <a:lstStyle/>
+                    <a:p>
+                      <a:pPr>
+                        <a:spcAft>
+                          <a:spcPts val="0"/>
+                        </a:spcAft>
+                      </a:pPr>
+                      <a:r>
+                        <a:rPr lang="es-CO" sz="1300" dirty="0">
+                          <a:solidFill>
+                            <a:schemeClr val="tx1"/>
+                          </a:solidFill>
+                          <a:effectLst/>
+                        </a:rPr>
+                        <a:t>RF </a:t>
+                      </a:r>
+                      <a:r>
+                        <a:rPr lang="es-CO" sz="1300" dirty="0" smtClean="0">
+                          <a:solidFill>
+                            <a:schemeClr val="tx1"/>
+                          </a:solidFill>
+                          <a:effectLst/>
+                        </a:rPr>
+                        <a:t>#5</a:t>
+                      </a:r>
+                      <a:endParaRPr lang="en-US" sz="1300" dirty="0">
+                        <a:solidFill>
+                          <a:schemeClr val="tx1"/>
+                        </a:solidFill>
+                        <a:effectLst/>
+                        <a:latin typeface="Times New Roman" panose="02020603050405020304" pitchFamily="18" charset="0"/>
+                        <a:ea typeface="Times New Roman" panose="02020603050405020304" pitchFamily="18" charset="0"/>
+                        <a:cs typeface="Times New Roman" panose="02020603050405020304" pitchFamily="18" charset="0"/>
+                      </a:endParaRPr>
+                    </a:p>
+                  </a:txBody>
+                  <a:tcPr marL="43417" marR="43417" marT="0" marB="0"/>
+                </a:tc>
+                <a:tc>
+                  <a:txBody>
+                    <a:bodyPr/>
+                    <a:lstStyle/>
+                    <a:p>
+                      <a:pPr>
+                        <a:spcAft>
+                          <a:spcPts val="0"/>
+                        </a:spcAft>
+                      </a:pPr>
+                      <a:r>
+                        <a:rPr lang="es-CO" sz="1300" dirty="0">
+                          <a:effectLst/>
+                        </a:rPr>
+                        <a:t>02 Sistema</a:t>
+                      </a:r>
+                      <a:endParaRPr lang="en-US" sz="1300" dirty="0">
+                        <a:effectLst/>
+                        <a:latin typeface="Times New Roman" panose="02020603050405020304" pitchFamily="18" charset="0"/>
+                        <a:ea typeface="Times New Roman" panose="02020603050405020304" pitchFamily="18" charset="0"/>
+                        <a:cs typeface="Times New Roman" panose="02020603050405020304" pitchFamily="18" charset="0"/>
+                      </a:endParaRPr>
+                    </a:p>
+                  </a:txBody>
+                  <a:tcPr marL="43417" marR="43417" marT="0" marB="0"/>
+                </a:tc>
+                <a:extLst>
+                  <a:ext uri="{0D108BD9-81ED-4DB2-BD59-A6C34878D82A}">
+                    <a16:rowId xmlns:a16="http://schemas.microsoft.com/office/drawing/2014/main" val="14783914"/>
+                  </a:ext>
+                </a:extLst>
+              </a:tr>
+              <a:tr h="488798">
+                <a:tc>
+                  <a:txBody>
+                    <a:bodyPr/>
+                    <a:lstStyle/>
+                    <a:p>
+                      <a:pPr>
+                        <a:spcAft>
+                          <a:spcPts val="0"/>
+                        </a:spcAft>
+                      </a:pPr>
+                      <a:r>
+                        <a:rPr lang="es-CO" sz="1300" dirty="0">
+                          <a:solidFill>
+                            <a:schemeClr val="tx1"/>
+                          </a:solidFill>
+                          <a:effectLst/>
+                        </a:rPr>
+                        <a:t>Filtro</a:t>
+                      </a:r>
+                      <a:endParaRPr lang="en-US" sz="1300" dirty="0">
+                        <a:solidFill>
+                          <a:schemeClr val="tx1"/>
+                        </a:solidFill>
+                        <a:effectLst/>
+                        <a:latin typeface="Times New Roman" panose="02020603050405020304" pitchFamily="18" charset="0"/>
+                        <a:ea typeface="Times New Roman" panose="02020603050405020304" pitchFamily="18" charset="0"/>
+                        <a:cs typeface="Times New Roman" panose="02020603050405020304" pitchFamily="18" charset="0"/>
+                      </a:endParaRPr>
+                    </a:p>
+                  </a:txBody>
+                  <a:tcPr marL="43417" marR="43417" marT="0" marB="0"/>
+                </a:tc>
+                <a:tc>
+                  <a:txBody>
+                    <a:bodyPr/>
+                    <a:lstStyle/>
+                    <a:p>
+                      <a:pPr>
+                        <a:spcAft>
+                          <a:spcPts val="0"/>
+                        </a:spcAft>
+                      </a:pPr>
+                      <a:r>
+                        <a:rPr lang="es-CO" sz="1300" dirty="0">
+                          <a:effectLst/>
+                        </a:rPr>
+                        <a:t> El sistema debe tomar el </a:t>
+                      </a:r>
+                      <a:r>
+                        <a:rPr lang="es-CO" sz="1300" dirty="0" smtClean="0">
+                          <a:effectLst/>
+                        </a:rPr>
+                        <a:t>nombre </a:t>
+                      </a:r>
+                      <a:r>
+                        <a:rPr lang="es-CO" sz="1300" dirty="0">
+                          <a:effectLst/>
+                        </a:rPr>
+                        <a:t>del objeto de la foto para buscar en la base de datos </a:t>
+                      </a:r>
+                      <a:r>
+                        <a:rPr lang="es-CO" sz="1300" dirty="0" smtClean="0">
+                          <a:effectLst/>
+                        </a:rPr>
+                        <a:t>la</a:t>
+                      </a:r>
+                      <a:r>
+                        <a:rPr lang="es-CO" sz="1300" baseline="0" dirty="0" smtClean="0">
+                          <a:effectLst/>
+                        </a:rPr>
+                        <a:t> categoría</a:t>
+                      </a:r>
+                      <a:r>
+                        <a:rPr lang="es-CO" sz="1300" dirty="0" smtClean="0">
+                          <a:effectLst/>
+                        </a:rPr>
+                        <a:t> a</a:t>
+                      </a:r>
+                      <a:r>
+                        <a:rPr lang="es-CO" sz="1300" baseline="0" dirty="0" smtClean="0">
+                          <a:effectLst/>
+                        </a:rPr>
+                        <a:t> la</a:t>
+                      </a:r>
+                      <a:r>
+                        <a:rPr lang="es-CO" sz="1300" dirty="0" smtClean="0">
+                          <a:effectLst/>
+                        </a:rPr>
+                        <a:t> </a:t>
+                      </a:r>
+                      <a:r>
+                        <a:rPr lang="es-CO" sz="1300" dirty="0">
+                          <a:effectLst/>
+                        </a:rPr>
+                        <a:t>que pertenece.</a:t>
+                      </a:r>
+                      <a:endParaRPr lang="en-US" sz="1300" dirty="0">
+                        <a:effectLst/>
+                        <a:latin typeface="Times New Roman" panose="02020603050405020304" pitchFamily="18" charset="0"/>
+                        <a:ea typeface="Times New Roman" panose="02020603050405020304" pitchFamily="18" charset="0"/>
+                        <a:cs typeface="Times New Roman" panose="02020603050405020304" pitchFamily="18" charset="0"/>
+                      </a:endParaRPr>
+                    </a:p>
+                  </a:txBody>
+                  <a:tcPr marL="43417" marR="43417" marT="0" marB="0"/>
+                </a:tc>
+                <a:extLst>
+                  <a:ext uri="{0D108BD9-81ED-4DB2-BD59-A6C34878D82A}">
+                    <a16:rowId xmlns:a16="http://schemas.microsoft.com/office/drawing/2014/main" val="149762803"/>
+                  </a:ext>
+                </a:extLst>
+              </a:tr>
+              <a:tr h="162933">
+                <a:tc>
+                  <a:txBody>
+                    <a:bodyPr/>
+                    <a:lstStyle/>
+                    <a:p>
+                      <a:pPr>
+                        <a:spcAft>
+                          <a:spcPts val="0"/>
+                        </a:spcAft>
+                      </a:pPr>
+                      <a:r>
+                        <a:rPr lang="es-CO" sz="1300" dirty="0">
+                          <a:solidFill>
+                            <a:schemeClr val="tx1"/>
+                          </a:solidFill>
+                          <a:effectLst/>
+                        </a:rPr>
+                        <a:t>RF </a:t>
+                      </a:r>
+                      <a:r>
+                        <a:rPr lang="es-CO" sz="1300" dirty="0" smtClean="0">
+                          <a:solidFill>
+                            <a:schemeClr val="tx1"/>
+                          </a:solidFill>
+                          <a:effectLst/>
+                        </a:rPr>
+                        <a:t>#6</a:t>
+                      </a:r>
+                      <a:endParaRPr lang="en-US" sz="1300" dirty="0">
+                        <a:solidFill>
+                          <a:schemeClr val="tx1"/>
+                        </a:solidFill>
+                        <a:effectLst/>
+                        <a:latin typeface="Times New Roman" panose="02020603050405020304" pitchFamily="18" charset="0"/>
+                        <a:ea typeface="Times New Roman" panose="02020603050405020304" pitchFamily="18" charset="0"/>
+                        <a:cs typeface="Times New Roman" panose="02020603050405020304" pitchFamily="18" charset="0"/>
+                      </a:endParaRPr>
+                    </a:p>
+                  </a:txBody>
+                  <a:tcPr marL="43417" marR="43417" marT="0" marB="0"/>
+                </a:tc>
+                <a:tc>
+                  <a:txBody>
+                    <a:bodyPr/>
+                    <a:lstStyle/>
+                    <a:p>
+                      <a:pPr>
+                        <a:spcAft>
+                          <a:spcPts val="0"/>
+                        </a:spcAft>
+                      </a:pPr>
+                      <a:r>
+                        <a:rPr lang="es-CO" sz="1300" dirty="0">
+                          <a:effectLst/>
+                        </a:rPr>
+                        <a:t>03 Sistema</a:t>
+                      </a:r>
+                      <a:endParaRPr lang="en-US" sz="1300" dirty="0">
+                        <a:effectLst/>
+                        <a:latin typeface="Times New Roman" panose="02020603050405020304" pitchFamily="18" charset="0"/>
+                        <a:ea typeface="Times New Roman" panose="02020603050405020304" pitchFamily="18" charset="0"/>
+                        <a:cs typeface="Times New Roman" panose="02020603050405020304" pitchFamily="18" charset="0"/>
+                      </a:endParaRPr>
+                    </a:p>
+                  </a:txBody>
+                  <a:tcPr marL="43417" marR="43417" marT="0" marB="0"/>
+                </a:tc>
+                <a:extLst>
+                  <a:ext uri="{0D108BD9-81ED-4DB2-BD59-A6C34878D82A}">
+                    <a16:rowId xmlns:a16="http://schemas.microsoft.com/office/drawing/2014/main" val="330776940"/>
+                  </a:ext>
+                </a:extLst>
+              </a:tr>
+              <a:tr h="325865">
+                <a:tc>
+                  <a:txBody>
+                    <a:bodyPr/>
+                    <a:lstStyle/>
+                    <a:p>
+                      <a:pPr>
+                        <a:spcAft>
+                          <a:spcPts val="0"/>
+                        </a:spcAft>
+                      </a:pPr>
+                      <a:r>
+                        <a:rPr lang="es-CO" sz="1300" dirty="0">
+                          <a:solidFill>
+                            <a:schemeClr val="tx1"/>
+                          </a:solidFill>
+                          <a:effectLst/>
+                        </a:rPr>
+                        <a:t>Condiciones</a:t>
+                      </a:r>
+                      <a:endParaRPr lang="en-US" sz="1300" dirty="0">
+                        <a:solidFill>
+                          <a:schemeClr val="tx1"/>
+                        </a:solidFill>
+                        <a:effectLst/>
+                        <a:latin typeface="Times New Roman" panose="02020603050405020304" pitchFamily="18" charset="0"/>
+                        <a:ea typeface="Times New Roman" panose="02020603050405020304" pitchFamily="18" charset="0"/>
+                        <a:cs typeface="Times New Roman" panose="02020603050405020304" pitchFamily="18" charset="0"/>
+                      </a:endParaRPr>
+                    </a:p>
+                  </a:txBody>
+                  <a:tcPr marL="43417" marR="43417" marT="0" marB="0"/>
+                </a:tc>
+                <a:tc>
+                  <a:txBody>
+                    <a:bodyPr/>
+                    <a:lstStyle/>
+                    <a:p>
+                      <a:pPr>
+                        <a:spcAft>
+                          <a:spcPts val="0"/>
+                        </a:spcAft>
+                      </a:pPr>
+                      <a:r>
+                        <a:rPr lang="es-CO" sz="1300" dirty="0">
+                          <a:effectLst/>
+                        </a:rPr>
+                        <a:t> El sistema debe realizar unas condiciones para determinar </a:t>
+                      </a:r>
+                      <a:r>
+                        <a:rPr lang="es-CO" sz="1300" dirty="0" smtClean="0">
+                          <a:effectLst/>
+                        </a:rPr>
+                        <a:t>hacia</a:t>
+                      </a:r>
+                      <a:r>
+                        <a:rPr lang="es-CO" sz="1300" baseline="0" dirty="0" smtClean="0">
+                          <a:effectLst/>
+                        </a:rPr>
+                        <a:t> que lugar mover los</a:t>
+                      </a:r>
+                      <a:r>
+                        <a:rPr lang="es-CO" sz="1300" dirty="0" smtClean="0">
+                          <a:effectLst/>
+                        </a:rPr>
+                        <a:t> servomotores </a:t>
+                      </a:r>
+                      <a:r>
+                        <a:rPr lang="es-CO" sz="1300" dirty="0">
+                          <a:effectLst/>
+                        </a:rPr>
+                        <a:t>para llevar el objeto a su respectivo basurero.</a:t>
+                      </a:r>
+                      <a:endParaRPr lang="en-US" sz="1300" dirty="0">
+                        <a:effectLst/>
+                        <a:latin typeface="Times New Roman" panose="02020603050405020304" pitchFamily="18" charset="0"/>
+                        <a:ea typeface="Times New Roman" panose="02020603050405020304" pitchFamily="18" charset="0"/>
+                        <a:cs typeface="Times New Roman" panose="02020603050405020304" pitchFamily="18" charset="0"/>
+                      </a:endParaRPr>
+                    </a:p>
+                  </a:txBody>
+                  <a:tcPr marL="43417" marR="43417" marT="0" marB="0"/>
+                </a:tc>
+                <a:extLst>
+                  <a:ext uri="{0D108BD9-81ED-4DB2-BD59-A6C34878D82A}">
+                    <a16:rowId xmlns:a16="http://schemas.microsoft.com/office/drawing/2014/main" val="4258149965"/>
+                  </a:ext>
+                </a:extLst>
+              </a:tr>
+            </a:tbl>
+          </a:graphicData>
+        </a:graphic>
+      </p:graphicFrame>
+    </p:spTree>
+    <p:extLst>
+      <p:ext uri="{BB962C8B-B14F-4D97-AF65-F5344CB8AC3E}">
+        <p14:creationId xmlns:p14="http://schemas.microsoft.com/office/powerpoint/2010/main" val="3157214027"/>
+      </p:ext>
+    </p:extLst>
+  </p:cSld>
+  <p:clrMapOvr>
+    <a:masterClrMapping/>
+  </p:clrMapOvr>
+  <p:timing>
+    <p:tnLst>
+      <p:par>
+        <p:cTn id="1" dur="indefinite" restart="never" nodeType="tmRoot"/>
+      </p:par>
+    </p:tnLst>
+  </p:timing>
+</p:sld>
+</file>
+
+<file path=ppt/slides/slide7.xml><?xml version="1.0" encoding="utf-8"?>
+<p:sld xmlns:a="http://schemas.openxmlformats.org/drawingml/2006/main" xmlns:r="http://schemas.openxmlformats.org/officeDocument/2006/relationships" xmlns:p="http://schemas.openxmlformats.org/presentationml/2006/main">
+  <p:cSld>
+    <p:spTree>
+      <p:nvGrpSpPr>
+        <p:cNvPr id="1" name=""/>
+        <p:cNvGrpSpPr/>
+        <p:nvPr/>
+      </p:nvGrpSpPr>
+      <p:grpSpPr>
+        <a:xfrm>
+          <a:off x="0" y="0"/>
+          <a:ext cx="0" cy="0"/>
+          <a:chOff x="0" y="0"/>
+          <a:chExt cx="0" cy="0"/>
+        </a:xfrm>
+      </p:grpSpPr>
+      <p:pic>
+        <p:nvPicPr>
+          <p:cNvPr id="6" name="Imagen 5"/>
+          <p:cNvPicPr>
+            <a:picLocks noChangeAspect="1"/>
+          </p:cNvPicPr>
+          <p:nvPr/>
+        </p:nvPicPr>
+        <p:blipFill>
+          <a:blip r:embed="rId2" cstate="print">
+            <a:extLst>
+              <a:ext uri="{28A0092B-C50C-407E-A947-70E740481C1C}">
+                <a14:useLocalDpi xmlns:a14="http://schemas.microsoft.com/office/drawing/2010/main" val="0"/>
+              </a:ext>
+            </a:extLst>
+          </a:blip>
+          <a:stretch>
+            <a:fillRect/>
+          </a:stretch>
+        </p:blipFill>
+        <p:spPr>
+          <a:xfrm>
+            <a:off x="0" y="0"/>
+            <a:ext cx="12192000" cy="6858000"/>
+          </a:xfrm>
+          <a:prstGeom prst="rect">
+            <a:avLst/>
+          </a:prstGeom>
+        </p:spPr>
+      </p:pic>
+      <p:sp>
+        <p:nvSpPr>
+          <p:cNvPr id="2" name="Título 1"/>
+          <p:cNvSpPr>
+            <a:spLocks noGrp="1"/>
+          </p:cNvSpPr>
+          <p:nvPr>
+            <p:ph type="title"/>
+          </p:nvPr>
+        </p:nvSpPr>
+        <p:spPr/>
+        <p:txBody>
+          <a:bodyPr/>
+          <a:lstStyle/>
+          <a:p>
+            <a:pPr algn="ctr"/>
+            <a:r>
+              <a:rPr lang="es-CO" b="1" dirty="0" smtClean="0">
+                <a:ln w="12700">
+                  <a:solidFill>
+                    <a:schemeClr val="tx2">
+                      <a:lumMod val="75000"/>
+                    </a:schemeClr>
+                  </a:solidFill>
+                  <a:prstDash val="solid"/>
+                </a:ln>
+                <a:pattFill prst="dkUpDiag">
+                  <a:fgClr>
+                    <a:schemeClr val="tx2"/>
+                  </a:fgClr>
+                  <a:bgClr>
+                    <a:schemeClr val="tx2">
+                      <a:lumMod val="20000"/>
+                      <a:lumOff val="80000"/>
+                    </a:schemeClr>
+                  </a:bgClr>
+                </a:pattFill>
+                <a:effectLst>
+                  <a:outerShdw dist="38100" dir="2640000" algn="bl" rotWithShape="0">
+                    <a:schemeClr val="tx2">
+                      <a:lumMod val="75000"/>
+                    </a:schemeClr>
+                  </a:outerShdw>
+                </a:effectLst>
+              </a:rPr>
+              <a:t>REQUERIMIENTOS NO FUNCIONALES</a:t>
+            </a:r>
+            <a:endParaRPr lang="en-US" dirty="0"/>
+          </a:p>
+        </p:txBody>
+      </p:sp>
+      <p:graphicFrame>
+        <p:nvGraphicFramePr>
+          <p:cNvPr id="7" name="Marcador de contenido 6"/>
+          <p:cNvGraphicFramePr>
+            <a:graphicFrameLocks noGrp="1"/>
+          </p:cNvGraphicFramePr>
+          <p:nvPr>
+            <p:ph idx="1"/>
+            <p:extLst/>
+          </p:nvPr>
+        </p:nvGraphicFramePr>
+        <p:xfrm>
+          <a:off x="1254034" y="1815736"/>
+          <a:ext cx="9509759" cy="4846319"/>
+        </p:xfrm>
+        <a:graphic>
+          <a:graphicData uri="http://schemas.openxmlformats.org/drawingml/2006/table">
+            <a:tbl>
+              <a:tblPr firstRow="1" firstCol="1" bandRow="1">
+                <a:tableStyleId>{5C22544A-7EE6-4342-B048-85BDC9FD1C3A}</a:tableStyleId>
+              </a:tblPr>
+              <a:tblGrid>
+                <a:gridCol w="9509759">
+                  <a:extLst>
+                    <a:ext uri="{9D8B030D-6E8A-4147-A177-3AD203B41FA5}">
+                      <a16:colId xmlns:a16="http://schemas.microsoft.com/office/drawing/2014/main" val="1474160906"/>
+                    </a:ext>
+                  </a:extLst>
+                </a:gridCol>
+              </a:tblGrid>
+              <a:tr h="538480">
+                <a:tc>
+                  <a:txBody>
+                    <a:bodyPr/>
+                    <a:lstStyle/>
+                    <a:p>
+                      <a:pPr>
+                        <a:spcAft>
+                          <a:spcPts val="0"/>
+                        </a:spcAft>
+                      </a:pPr>
+                      <a:r>
+                        <a:rPr lang="es-419" sz="2000" dirty="0">
+                          <a:solidFill>
+                            <a:schemeClr val="tx1"/>
+                          </a:solidFill>
+                          <a:effectLst/>
+                        </a:rPr>
+                        <a:t>RNF </a:t>
+                      </a:r>
+                      <a:r>
+                        <a:rPr lang="es-419" sz="2000" dirty="0" smtClean="0">
+                          <a:solidFill>
+                            <a:schemeClr val="tx1"/>
+                          </a:solidFill>
+                          <a:effectLst/>
+                        </a:rPr>
+                        <a:t>#1</a:t>
+                      </a:r>
+                      <a:endParaRPr lang="en-US" sz="2400" dirty="0">
+                        <a:solidFill>
+                          <a:schemeClr val="tx1"/>
+                        </a:solidFill>
+                        <a:effectLst/>
+                        <a:latin typeface="Times New Roman" panose="02020603050405020304" pitchFamily="18" charset="0"/>
+                        <a:ea typeface="Times New Roman" panose="02020603050405020304" pitchFamily="18" charset="0"/>
+                        <a:cs typeface="Times New Roman" panose="02020603050405020304" pitchFamily="18" charset="0"/>
+                      </a:endParaRPr>
+                    </a:p>
+                  </a:txBody>
+                  <a:tcPr marL="68580" marR="68580" marT="0" marB="0"/>
+                </a:tc>
+                <a:extLst>
+                  <a:ext uri="{0D108BD9-81ED-4DB2-BD59-A6C34878D82A}">
+                    <a16:rowId xmlns:a16="http://schemas.microsoft.com/office/drawing/2014/main" val="3939597330"/>
+                  </a:ext>
+                </a:extLst>
+              </a:tr>
+              <a:tr h="538480">
+                <a:tc>
+                  <a:txBody>
+                    <a:bodyPr/>
+                    <a:lstStyle/>
+                    <a:p>
+                      <a:pPr>
+                        <a:spcAft>
+                          <a:spcPts val="0"/>
+                        </a:spcAft>
+                      </a:pPr>
+                      <a:r>
+                        <a:rPr lang="es-419" sz="2000" dirty="0">
+                          <a:solidFill>
+                            <a:schemeClr val="tx1"/>
+                          </a:solidFill>
+                          <a:effectLst/>
+                        </a:rPr>
+                        <a:t>El sistema hará uso de una cámara de mínimo 3 megapíxeles</a:t>
+                      </a:r>
+                      <a:endParaRPr lang="en-US" sz="2400" dirty="0">
+                        <a:solidFill>
+                          <a:schemeClr val="tx1"/>
+                        </a:solidFill>
+                        <a:effectLst/>
+                        <a:latin typeface="Times New Roman" panose="02020603050405020304" pitchFamily="18" charset="0"/>
+                        <a:ea typeface="Times New Roman" panose="02020603050405020304" pitchFamily="18" charset="0"/>
+                        <a:cs typeface="Times New Roman" panose="02020603050405020304" pitchFamily="18" charset="0"/>
+                      </a:endParaRPr>
+                    </a:p>
+                  </a:txBody>
+                  <a:tcPr marL="68580" marR="68580" marT="0" marB="0">
+                    <a:solidFill>
+                      <a:schemeClr val="bg1"/>
+                    </a:solidFill>
+                  </a:tcPr>
+                </a:tc>
+                <a:extLst>
+                  <a:ext uri="{0D108BD9-81ED-4DB2-BD59-A6C34878D82A}">
+                    <a16:rowId xmlns:a16="http://schemas.microsoft.com/office/drawing/2014/main" val="3416318852"/>
+                  </a:ext>
+                </a:extLst>
+              </a:tr>
+              <a:tr h="538480">
+                <a:tc>
+                  <a:txBody>
+                    <a:bodyPr/>
+                    <a:lstStyle/>
+                    <a:p>
+                      <a:pPr>
+                        <a:spcAft>
+                          <a:spcPts val="0"/>
+                        </a:spcAft>
+                      </a:pPr>
+                      <a:r>
+                        <a:rPr lang="es-419" sz="2000" dirty="0">
+                          <a:solidFill>
+                            <a:schemeClr val="tx1"/>
+                          </a:solidFill>
+                          <a:effectLst/>
+                        </a:rPr>
+                        <a:t> RNF </a:t>
+                      </a:r>
+                      <a:r>
+                        <a:rPr lang="es-419" sz="2000" dirty="0" smtClean="0">
+                          <a:solidFill>
+                            <a:schemeClr val="tx1"/>
+                          </a:solidFill>
+                          <a:effectLst/>
+                        </a:rPr>
+                        <a:t>#1.2 </a:t>
+                      </a:r>
+                      <a:endParaRPr lang="en-US" sz="2400" dirty="0">
+                        <a:solidFill>
+                          <a:schemeClr val="tx1"/>
+                        </a:solidFill>
+                        <a:effectLst/>
+                        <a:latin typeface="Times New Roman" panose="02020603050405020304" pitchFamily="18" charset="0"/>
+                        <a:ea typeface="Times New Roman" panose="02020603050405020304" pitchFamily="18" charset="0"/>
+                        <a:cs typeface="Times New Roman" panose="02020603050405020304" pitchFamily="18" charset="0"/>
+                      </a:endParaRPr>
+                    </a:p>
+                  </a:txBody>
+                  <a:tcPr marL="68580" marR="68580" marT="0" marB="0"/>
+                </a:tc>
+                <a:extLst>
+                  <a:ext uri="{0D108BD9-81ED-4DB2-BD59-A6C34878D82A}">
+                    <a16:rowId xmlns:a16="http://schemas.microsoft.com/office/drawing/2014/main" val="3081683307"/>
+                  </a:ext>
+                </a:extLst>
+              </a:tr>
+              <a:tr h="538480">
+                <a:tc>
+                  <a:txBody>
+                    <a:bodyPr/>
+                    <a:lstStyle/>
+                    <a:p>
+                      <a:pPr>
+                        <a:spcAft>
+                          <a:spcPts val="0"/>
+                        </a:spcAft>
+                      </a:pPr>
+                      <a:r>
+                        <a:rPr lang="es-419" sz="2000" dirty="0">
+                          <a:solidFill>
+                            <a:schemeClr val="tx1"/>
+                          </a:solidFill>
+                          <a:effectLst/>
+                        </a:rPr>
+                        <a:t>El sistema debe tener la cámara en una posición correcta. </a:t>
+                      </a:r>
+                      <a:endParaRPr lang="en-US" sz="2400" dirty="0">
+                        <a:solidFill>
+                          <a:schemeClr val="tx1"/>
+                        </a:solidFill>
+                        <a:effectLst/>
+                        <a:latin typeface="Times New Roman" panose="02020603050405020304" pitchFamily="18" charset="0"/>
+                        <a:ea typeface="Times New Roman" panose="02020603050405020304" pitchFamily="18" charset="0"/>
+                        <a:cs typeface="Times New Roman" panose="02020603050405020304" pitchFamily="18" charset="0"/>
+                      </a:endParaRPr>
+                    </a:p>
+                  </a:txBody>
+                  <a:tcPr marL="68580" marR="68580" marT="0" marB="0">
+                    <a:solidFill>
+                      <a:schemeClr val="bg1"/>
+                    </a:solidFill>
+                  </a:tcPr>
+                </a:tc>
+                <a:extLst>
+                  <a:ext uri="{0D108BD9-81ED-4DB2-BD59-A6C34878D82A}">
+                    <a16:rowId xmlns:a16="http://schemas.microsoft.com/office/drawing/2014/main" val="4171854245"/>
+                  </a:ext>
+                </a:extLst>
+              </a:tr>
+              <a:tr h="538480">
+                <a:tc>
+                  <a:txBody>
+                    <a:bodyPr/>
+                    <a:lstStyle/>
+                    <a:p>
+                      <a:pPr>
+                        <a:spcAft>
+                          <a:spcPts val="0"/>
+                        </a:spcAft>
+                      </a:pPr>
+                      <a:r>
+                        <a:rPr lang="es-419" sz="2000" dirty="0">
+                          <a:solidFill>
+                            <a:schemeClr val="tx1"/>
+                          </a:solidFill>
+                          <a:effectLst/>
+                        </a:rPr>
+                        <a:t>RNF </a:t>
+                      </a:r>
+                      <a:r>
+                        <a:rPr lang="es-419" sz="2000" dirty="0" smtClean="0">
+                          <a:solidFill>
+                            <a:schemeClr val="tx1"/>
+                          </a:solidFill>
+                          <a:effectLst/>
+                        </a:rPr>
+                        <a:t>#2</a:t>
+                      </a:r>
+                      <a:endParaRPr lang="en-US" sz="2400" dirty="0">
+                        <a:solidFill>
+                          <a:schemeClr val="tx1"/>
+                        </a:solidFill>
+                        <a:effectLst/>
+                        <a:latin typeface="Times New Roman" panose="02020603050405020304" pitchFamily="18" charset="0"/>
+                        <a:ea typeface="Times New Roman" panose="02020603050405020304" pitchFamily="18" charset="0"/>
+                        <a:cs typeface="Times New Roman" panose="02020603050405020304" pitchFamily="18" charset="0"/>
+                      </a:endParaRPr>
+                    </a:p>
+                  </a:txBody>
+                  <a:tcPr marL="68580" marR="68580" marT="0" marB="0"/>
+                </a:tc>
+                <a:extLst>
+                  <a:ext uri="{0D108BD9-81ED-4DB2-BD59-A6C34878D82A}">
+                    <a16:rowId xmlns:a16="http://schemas.microsoft.com/office/drawing/2014/main" val="3502950850"/>
+                  </a:ext>
+                </a:extLst>
+              </a:tr>
+              <a:tr h="538480">
+                <a:tc>
+                  <a:txBody>
+                    <a:bodyPr/>
+                    <a:lstStyle/>
+                    <a:p>
+                      <a:pPr>
+                        <a:spcAft>
+                          <a:spcPts val="0"/>
+                        </a:spcAft>
+                      </a:pPr>
+                      <a:r>
+                        <a:rPr lang="es-419" sz="2000" dirty="0">
+                          <a:solidFill>
+                            <a:schemeClr val="tx1"/>
+                          </a:solidFill>
+                          <a:effectLst/>
+                        </a:rPr>
+                        <a:t>El sistema debe tener unos ductos que estén limpios para que la basura no se atore. </a:t>
+                      </a:r>
+                      <a:endParaRPr lang="en-US" sz="2400" dirty="0">
+                        <a:solidFill>
+                          <a:schemeClr val="tx1"/>
+                        </a:solidFill>
+                        <a:effectLst/>
+                        <a:latin typeface="Times New Roman" panose="02020603050405020304" pitchFamily="18" charset="0"/>
+                        <a:ea typeface="Times New Roman" panose="02020603050405020304" pitchFamily="18" charset="0"/>
+                        <a:cs typeface="Times New Roman" panose="02020603050405020304" pitchFamily="18" charset="0"/>
+                      </a:endParaRPr>
+                    </a:p>
+                  </a:txBody>
+                  <a:tcPr marL="68580" marR="68580" marT="0" marB="0">
+                    <a:solidFill>
+                      <a:schemeClr val="bg1"/>
+                    </a:solidFill>
+                  </a:tcPr>
+                </a:tc>
+                <a:extLst>
+                  <a:ext uri="{0D108BD9-81ED-4DB2-BD59-A6C34878D82A}">
+                    <a16:rowId xmlns:a16="http://schemas.microsoft.com/office/drawing/2014/main" val="537855034"/>
+                  </a:ext>
+                </a:extLst>
+              </a:tr>
+              <a:tr h="538480">
+                <a:tc>
+                  <a:txBody>
+                    <a:bodyPr/>
+                    <a:lstStyle/>
+                    <a:p>
+                      <a:pPr>
+                        <a:spcAft>
+                          <a:spcPts val="0"/>
+                        </a:spcAft>
+                      </a:pPr>
+                      <a:r>
+                        <a:rPr lang="es-419" sz="2000" dirty="0">
+                          <a:solidFill>
+                            <a:schemeClr val="tx1"/>
+                          </a:solidFill>
+                          <a:effectLst/>
+                        </a:rPr>
+                        <a:t>RNF </a:t>
+                      </a:r>
+                      <a:r>
+                        <a:rPr lang="es-419" sz="2000" dirty="0" smtClean="0">
+                          <a:solidFill>
+                            <a:schemeClr val="tx1"/>
+                          </a:solidFill>
+                          <a:effectLst/>
+                        </a:rPr>
+                        <a:t>#3</a:t>
+                      </a:r>
+                      <a:endParaRPr lang="en-US" sz="2400" dirty="0">
+                        <a:solidFill>
+                          <a:schemeClr val="tx1"/>
+                        </a:solidFill>
+                        <a:effectLst/>
+                        <a:latin typeface="Times New Roman" panose="02020603050405020304" pitchFamily="18" charset="0"/>
+                        <a:ea typeface="Times New Roman" panose="02020603050405020304" pitchFamily="18" charset="0"/>
+                        <a:cs typeface="Times New Roman" panose="02020603050405020304" pitchFamily="18" charset="0"/>
+                      </a:endParaRPr>
+                    </a:p>
+                  </a:txBody>
+                  <a:tcPr marL="68580" marR="68580" marT="0" marB="0"/>
+                </a:tc>
+                <a:extLst>
+                  <a:ext uri="{0D108BD9-81ED-4DB2-BD59-A6C34878D82A}">
+                    <a16:rowId xmlns:a16="http://schemas.microsoft.com/office/drawing/2014/main" val="2749552784"/>
+                  </a:ext>
+                </a:extLst>
+              </a:tr>
+              <a:tr h="1076959">
+                <a:tc>
+                  <a:txBody>
+                    <a:bodyPr/>
+                    <a:lstStyle/>
+                    <a:p>
+                      <a:pPr>
+                        <a:spcAft>
+                          <a:spcPts val="0"/>
+                        </a:spcAft>
+                      </a:pPr>
+                      <a:r>
+                        <a:rPr lang="es-419" sz="2000" dirty="0">
+                          <a:solidFill>
+                            <a:schemeClr val="tx1"/>
+                          </a:solidFill>
+                          <a:effectLst/>
+                        </a:rPr>
+                        <a:t> El sistema deberá tener un ducto lo suficientemente grande para que pueda permitir pasar la basura</a:t>
+                      </a:r>
+                      <a:endParaRPr lang="en-US" sz="2400" dirty="0">
+                        <a:solidFill>
+                          <a:schemeClr val="tx1"/>
+                        </a:solidFill>
+                        <a:effectLst/>
+                        <a:latin typeface="Times New Roman" panose="02020603050405020304" pitchFamily="18" charset="0"/>
+                        <a:ea typeface="Times New Roman" panose="02020603050405020304" pitchFamily="18" charset="0"/>
+                        <a:cs typeface="Times New Roman" panose="02020603050405020304" pitchFamily="18" charset="0"/>
+                      </a:endParaRPr>
+                    </a:p>
+                  </a:txBody>
+                  <a:tcPr marL="68580" marR="68580" marT="0" marB="0">
+                    <a:solidFill>
+                      <a:schemeClr val="bg1"/>
+                    </a:solidFill>
+                  </a:tcPr>
+                </a:tc>
+                <a:extLst>
+                  <a:ext uri="{0D108BD9-81ED-4DB2-BD59-A6C34878D82A}">
+                    <a16:rowId xmlns:a16="http://schemas.microsoft.com/office/drawing/2014/main" val="1851602698"/>
+                  </a:ext>
+                </a:extLst>
+              </a:tr>
+            </a:tbl>
+          </a:graphicData>
+        </a:graphic>
+      </p:graphicFrame>
+    </p:spTree>
+    <p:extLst>
+      <p:ext uri="{BB962C8B-B14F-4D97-AF65-F5344CB8AC3E}">
+        <p14:creationId xmlns:p14="http://schemas.microsoft.com/office/powerpoint/2010/main" val="915676831"/>
+      </p:ext>
+    </p:extLst>
+  </p:cSld>
+  <p:clrMapOvr>
+    <a:masterClrMapping/>
+  </p:clrMapOvr>
+  <p:timing>
+    <p:tnLst>
+      <p:par>
+        <p:cTn id="1" dur="indefinite" restart="never" nodeType="tmRoot"/>
+      </p:par>
+    </p:tnLst>
+  </p:timing>
+</p:sld>
+</file>
+
+<file path=ppt/slides/slide8.xml><?xml version="1.0" encoding="utf-8"?>
 <p:sld xmlns:a="http://schemas.openxmlformats.org/drawingml/2006/main" xmlns:r="http://schemas.openxmlformats.org/officeDocument/2006/relationships" xmlns:p="http://schemas.openxmlformats.org/presentationml/2006/main">
   <p:cSld>
     <p:spTree>
@@ -4215,7 +6109,7 @@
 </p:sld>
 </file>
 
-<file path=ppt/slides/slide7.xml><?xml version="1.0" encoding="utf-8"?>
+<file path=ppt/slides/slide9.xml><?xml version="1.0" encoding="utf-8"?>
 <p:sld xmlns:a="http://schemas.openxmlformats.org/drawingml/2006/main" xmlns:r="http://schemas.openxmlformats.org/officeDocument/2006/relationships" xmlns:p="http://schemas.openxmlformats.org/presentationml/2006/main">
   <p:cSld>
     <p:spTree>
@@ -4296,103 +6190,6 @@
     <p:extLst>
       <p:ext uri="{BB962C8B-B14F-4D97-AF65-F5344CB8AC3E}">
         <p14:creationId xmlns:p14="http://schemas.microsoft.com/office/powerpoint/2010/main" val="209474173"/>
-      </p:ext>
-    </p:extLst>
-  </p:cSld>
-  <p:clrMapOvr>
-    <a:masterClrMapping/>
-  </p:clrMapOvr>
-  <p:timing>
-    <p:tnLst>
-      <p:par>
-        <p:cTn id="1" dur="indefinite" restart="never" nodeType="tmRoot"/>
-      </p:par>
-    </p:tnLst>
-  </p:timing>
-</p:sld>
-</file>
-
-<file path=ppt/slides/slide8.xml><?xml version="1.0" encoding="utf-8"?>
-<p:sld xmlns:a="http://schemas.openxmlformats.org/drawingml/2006/main" xmlns:r="http://schemas.openxmlformats.org/officeDocument/2006/relationships" xmlns:p="http://schemas.openxmlformats.org/presentationml/2006/main">
-  <p:cSld>
-    <p:spTree>
-      <p:nvGrpSpPr>
-        <p:cNvPr id="1" name=""/>
-        <p:cNvGrpSpPr/>
-        <p:nvPr/>
-      </p:nvGrpSpPr>
-      <p:grpSpPr>
-        <a:xfrm>
-          <a:off x="0" y="0"/>
-          <a:ext cx="0" cy="0"/>
-          <a:chOff x="0" y="0"/>
-          <a:chExt cx="0" cy="0"/>
-        </a:xfrm>
-      </p:grpSpPr>
-      <p:pic>
-        <p:nvPicPr>
-          <p:cNvPr id="4" name="Imagen 3"/>
-          <p:cNvPicPr>
-            <a:picLocks noChangeAspect="1"/>
-          </p:cNvPicPr>
-          <p:nvPr/>
-        </p:nvPicPr>
-        <p:blipFill>
-          <a:blip r:embed="rId2" cstate="print">
-            <a:extLst>
-              <a:ext uri="{28A0092B-C50C-407E-A947-70E740481C1C}">
-                <a14:useLocalDpi xmlns:a14="http://schemas.microsoft.com/office/drawing/2010/main" val="0"/>
-              </a:ext>
-            </a:extLst>
-          </a:blip>
-          <a:stretch>
-            <a:fillRect/>
-          </a:stretch>
-        </p:blipFill>
-        <p:spPr>
-          <a:xfrm>
-            <a:off x="0" y="0"/>
-            <a:ext cx="12192000" cy="6858000"/>
-          </a:xfrm>
-          <a:prstGeom prst="rect">
-            <a:avLst/>
-          </a:prstGeom>
-        </p:spPr>
-      </p:pic>
-      <p:pic>
-        <p:nvPicPr>
-          <p:cNvPr id="5" name="Imagen 4"/>
-          <p:cNvPicPr>
-            <a:picLocks noChangeAspect="1"/>
-          </p:cNvPicPr>
-          <p:nvPr/>
-        </p:nvPicPr>
-        <p:blipFill>
-          <a:blip r:embed="rId3" cstate="print">
-            <a:extLst>
-              <a:ext uri="{28A0092B-C50C-407E-A947-70E740481C1C}">
-                <a14:useLocalDpi xmlns:a14="http://schemas.microsoft.com/office/drawing/2010/main" val="0"/>
-              </a:ext>
-            </a:extLst>
-          </a:blip>
-          <a:stretch>
-            <a:fillRect/>
-          </a:stretch>
-        </p:blipFill>
-        <p:spPr>
-          <a:xfrm>
-            <a:off x="1658983" y="0"/>
-            <a:ext cx="8360228" cy="6858000"/>
-          </a:xfrm>
-          <a:prstGeom prst="rect">
-            <a:avLst/>
-          </a:prstGeom>
-        </p:spPr>
-      </p:pic>
-    </p:spTree>
-    <p:extLst>
-      <p:ext uri="{BB962C8B-B14F-4D97-AF65-F5344CB8AC3E}">
-        <p14:creationId xmlns:p14="http://schemas.microsoft.com/office/powerpoint/2010/main" val="2450903547"/>
       </p:ext>
     </p:extLst>
   </p:cSld>

--- a/RECICLAJE INTELIGENTE.pptx
+++ b/RECICLAJE INTELIGENTE.pptx
@@ -11,10 +11,11 @@
     <p:sldId id="262" r:id="rId5"/>
     <p:sldId id="267" r:id="rId6"/>
     <p:sldId id="268" r:id="rId7"/>
-    <p:sldId id="269" r:id="rId8"/>
-    <p:sldId id="264" r:id="rId9"/>
-    <p:sldId id="265" r:id="rId10"/>
-    <p:sldId id="266" r:id="rId11"/>
+    <p:sldId id="270" r:id="rId8"/>
+    <p:sldId id="269" r:id="rId9"/>
+    <p:sldId id="264" r:id="rId10"/>
+    <p:sldId id="265" r:id="rId11"/>
+    <p:sldId id="266" r:id="rId12"/>
   </p:sldIdLst>
   <p:sldSz cx="12192000" cy="6858000"/>
   <p:notesSz cx="6858000" cy="9144000"/>
@@ -3265,6 +3266,103 @@
         </p:blipFill>
         <p:spPr>
           <a:xfrm>
+            <a:off x="1685109" y="0"/>
+            <a:ext cx="8360228" cy="6858000"/>
+          </a:xfrm>
+          <a:prstGeom prst="rect">
+            <a:avLst/>
+          </a:prstGeom>
+        </p:spPr>
+      </p:pic>
+    </p:spTree>
+    <p:extLst>
+      <p:ext uri="{BB962C8B-B14F-4D97-AF65-F5344CB8AC3E}">
+        <p14:creationId xmlns:p14="http://schemas.microsoft.com/office/powerpoint/2010/main" val="209474173"/>
+      </p:ext>
+    </p:extLst>
+  </p:cSld>
+  <p:clrMapOvr>
+    <a:masterClrMapping/>
+  </p:clrMapOvr>
+  <p:timing>
+    <p:tnLst>
+      <p:par>
+        <p:cTn id="1" dur="indefinite" restart="never" nodeType="tmRoot"/>
+      </p:par>
+    </p:tnLst>
+  </p:timing>
+</p:sld>
+</file>
+
+<file path=ppt/slides/slide11.xml><?xml version="1.0" encoding="utf-8"?>
+<p:sld xmlns:a="http://schemas.openxmlformats.org/drawingml/2006/main" xmlns:r="http://schemas.openxmlformats.org/officeDocument/2006/relationships" xmlns:p="http://schemas.openxmlformats.org/presentationml/2006/main">
+  <p:cSld>
+    <p:spTree>
+      <p:nvGrpSpPr>
+        <p:cNvPr id="1" name=""/>
+        <p:cNvGrpSpPr/>
+        <p:nvPr/>
+      </p:nvGrpSpPr>
+      <p:grpSpPr>
+        <a:xfrm>
+          <a:off x="0" y="0"/>
+          <a:ext cx="0" cy="0"/>
+          <a:chOff x="0" y="0"/>
+          <a:chExt cx="0" cy="0"/>
+        </a:xfrm>
+      </p:grpSpPr>
+      <p:pic>
+        <p:nvPicPr>
+          <p:cNvPr id="4" name="Imagen 3"/>
+          <p:cNvPicPr>
+            <a:picLocks noChangeAspect="1"/>
+          </p:cNvPicPr>
+          <p:nvPr/>
+        </p:nvPicPr>
+        <p:blipFill>
+          <a:blip r:embed="rId2" cstate="print">
+            <a:extLst>
+              <a:ext uri="{28A0092B-C50C-407E-A947-70E740481C1C}">
+                <a14:useLocalDpi xmlns:a14="http://schemas.microsoft.com/office/drawing/2010/main" val="0"/>
+              </a:ext>
+            </a:extLst>
+          </a:blip>
+          <a:stretch>
+            <a:fillRect/>
+          </a:stretch>
+        </p:blipFill>
+        <p:spPr>
+          <a:xfrm>
+            <a:off x="0" y="0"/>
+            <a:ext cx="12192000" cy="6858000"/>
+          </a:xfrm>
+          <a:prstGeom prst="rect">
+            <a:avLst/>
+          </a:prstGeom>
+        </p:spPr>
+      </p:pic>
+      <p:pic>
+        <p:nvPicPr>
+          <p:cNvPr id="5" name="Imagen 4"/>
+          <p:cNvPicPr>
+            <a:picLocks noChangeAspect="1"/>
+          </p:cNvPicPr>
+          <p:nvPr/>
+        </p:nvPicPr>
+        <p:blipFill>
+          <a:blip r:embed="rId3" cstate="print">
+            <a:extLst>
+              <a:ext uri="{28A0092B-C50C-407E-A947-70E740481C1C}">
+                <a14:useLocalDpi xmlns:a14="http://schemas.microsoft.com/office/drawing/2010/main" val="0"/>
+              </a:ext>
+            </a:extLst>
+          </a:blip>
+          <a:stretch>
+            <a:fillRect/>
+          </a:stretch>
+        </p:blipFill>
+        <p:spPr>
+          <a:xfrm>
             <a:off x="1658983" y="0"/>
             <a:ext cx="8360228" cy="6858000"/>
           </a:xfrm>
@@ -4808,16 +4906,7 @@
                           </a:solidFill>
                           <a:effectLst/>
                         </a:rPr>
-                        <a:t>#</a:t>
-                      </a:r>
-                      <a:r>
-                        <a:rPr lang="es-CO" sz="1300" dirty="0" smtClean="0">
-                          <a:solidFill>
-                            <a:schemeClr val="tx1"/>
-                          </a:solidFill>
-                          <a:effectLst/>
-                        </a:rPr>
-                        <a:t>3.1</a:t>
+                        <a:t>#3.1</a:t>
                       </a:r>
                       <a:endParaRPr lang="en-US" sz="1300" dirty="0">
                         <a:solidFill>
@@ -5497,6 +5586,1357 @@
 </file>
 
 <file path=ppt/slides/slide7.xml><?xml version="1.0" encoding="utf-8"?>
+<p:sld xmlns:a="http://schemas.openxmlformats.org/drawingml/2006/main" xmlns:r="http://schemas.openxmlformats.org/officeDocument/2006/relationships" xmlns:p="http://schemas.openxmlformats.org/presentationml/2006/main">
+  <p:cSld>
+    <p:spTree>
+      <p:nvGrpSpPr>
+        <p:cNvPr id="1" name=""/>
+        <p:cNvGrpSpPr/>
+        <p:nvPr/>
+      </p:nvGrpSpPr>
+      <p:grpSpPr>
+        <a:xfrm>
+          <a:off x="0" y="0"/>
+          <a:ext cx="0" cy="0"/>
+          <a:chOff x="0" y="0"/>
+          <a:chExt cx="0" cy="0"/>
+        </a:xfrm>
+      </p:grpSpPr>
+      <p:pic>
+        <p:nvPicPr>
+          <p:cNvPr id="5" name="Imagen 4"/>
+          <p:cNvPicPr>
+            <a:picLocks noChangeAspect="1"/>
+          </p:cNvPicPr>
+          <p:nvPr/>
+        </p:nvPicPr>
+        <p:blipFill>
+          <a:blip r:embed="rId2" cstate="print">
+            <a:extLst>
+              <a:ext uri="{28A0092B-C50C-407E-A947-70E740481C1C}">
+                <a14:useLocalDpi xmlns:a14="http://schemas.microsoft.com/office/drawing/2010/main" val="0"/>
+              </a:ext>
+            </a:extLst>
+          </a:blip>
+          <a:stretch>
+            <a:fillRect/>
+          </a:stretch>
+        </p:blipFill>
+        <p:spPr>
+          <a:xfrm>
+            <a:off x="0" y="0"/>
+            <a:ext cx="12192000" cy="6858000"/>
+          </a:xfrm>
+          <a:prstGeom prst="rect">
+            <a:avLst/>
+          </a:prstGeom>
+        </p:spPr>
+      </p:pic>
+      <p:sp>
+        <p:nvSpPr>
+          <p:cNvPr id="2" name="Título 1"/>
+          <p:cNvSpPr>
+            <a:spLocks noGrp="1"/>
+          </p:cNvSpPr>
+          <p:nvPr>
+            <p:ph type="title"/>
+          </p:nvPr>
+        </p:nvSpPr>
+        <p:spPr>
+          <a:xfrm>
+            <a:off x="812074" y="0"/>
+            <a:ext cx="10515600" cy="1325563"/>
+          </a:xfrm>
+        </p:spPr>
+        <p:txBody>
+          <a:bodyPr/>
+          <a:lstStyle/>
+          <a:p>
+            <a:pPr algn="ctr"/>
+            <a:r>
+              <a:rPr lang="es-CO" b="1" dirty="0" smtClean="0">
+                <a:ln w="12700">
+                  <a:solidFill>
+                    <a:schemeClr val="tx2">
+                      <a:lumMod val="75000"/>
+                    </a:schemeClr>
+                  </a:solidFill>
+                  <a:prstDash val="solid"/>
+                </a:ln>
+                <a:pattFill prst="dkUpDiag">
+                  <a:fgClr>
+                    <a:schemeClr val="tx2"/>
+                  </a:fgClr>
+                  <a:bgClr>
+                    <a:schemeClr val="tx2">
+                      <a:lumMod val="20000"/>
+                      <a:lumOff val="80000"/>
+                    </a:schemeClr>
+                  </a:bgClr>
+                </a:pattFill>
+                <a:effectLst>
+                  <a:outerShdw dist="38100" dir="2640000" algn="bl" rotWithShape="0">
+                    <a:schemeClr val="tx2">
+                      <a:lumMod val="75000"/>
+                    </a:schemeClr>
+                  </a:outerShdw>
+                </a:effectLst>
+              </a:rPr>
+              <a:t>REQUERIMIENTOS FUNCIONALES</a:t>
+            </a:r>
+            <a:endParaRPr lang="en-US" b="1" dirty="0">
+              <a:ln w="12700">
+                <a:solidFill>
+                  <a:schemeClr val="tx2">
+                    <a:lumMod val="75000"/>
+                  </a:schemeClr>
+                </a:solidFill>
+                <a:prstDash val="solid"/>
+              </a:ln>
+              <a:pattFill prst="dkUpDiag">
+                <a:fgClr>
+                  <a:schemeClr val="tx2"/>
+                </a:fgClr>
+                <a:bgClr>
+                  <a:schemeClr val="tx2">
+                    <a:lumMod val="20000"/>
+                    <a:lumOff val="80000"/>
+                  </a:schemeClr>
+                </a:bgClr>
+              </a:pattFill>
+              <a:effectLst>
+                <a:outerShdw dist="38100" dir="2640000" algn="bl" rotWithShape="0">
+                  <a:schemeClr val="tx2">
+                    <a:lumMod val="75000"/>
+                  </a:schemeClr>
+                </a:outerShdw>
+              </a:effectLst>
+            </a:endParaRPr>
+          </a:p>
+        </p:txBody>
+      </p:sp>
+      <p:graphicFrame>
+        <p:nvGraphicFramePr>
+          <p:cNvPr id="4" name="Marcador de contenido 3"/>
+          <p:cNvGraphicFramePr>
+            <a:graphicFrameLocks noGrp="1"/>
+          </p:cNvGraphicFramePr>
+          <p:nvPr>
+            <p:ph idx="1"/>
+            <p:extLst>
+              <p:ext uri="{D42A27DB-BD31-4B8C-83A1-F6EECF244321}">
+                <p14:modId xmlns:p14="http://schemas.microsoft.com/office/powerpoint/2010/main" val="2032068273"/>
+              </p:ext>
+            </p:extLst>
+          </p:nvPr>
+        </p:nvGraphicFramePr>
+        <p:xfrm>
+          <a:off x="1072242" y="1107871"/>
+          <a:ext cx="9995264" cy="5076725"/>
+        </p:xfrm>
+        <a:graphic>
+          <a:graphicData uri="http://schemas.openxmlformats.org/drawingml/2006/table">
+            <a:tbl>
+              <a:tblPr firstRow="1" firstCol="1" bandRow="1">
+                <a:tableStyleId>{5C22544A-7EE6-4342-B048-85BDC9FD1C3A}</a:tableStyleId>
+              </a:tblPr>
+              <a:tblGrid>
+                <a:gridCol w="4997632">
+                  <a:extLst>
+                    <a:ext uri="{9D8B030D-6E8A-4147-A177-3AD203B41FA5}">
+                      <a16:colId xmlns:a16="http://schemas.microsoft.com/office/drawing/2014/main" val="577108584"/>
+                    </a:ext>
+                  </a:extLst>
+                </a:gridCol>
+                <a:gridCol w="4997632">
+                  <a:extLst>
+                    <a:ext uri="{9D8B030D-6E8A-4147-A177-3AD203B41FA5}">
+                      <a16:colId xmlns:a16="http://schemas.microsoft.com/office/drawing/2014/main" val="2587469942"/>
+                    </a:ext>
+                  </a:extLst>
+                </a:gridCol>
+              </a:tblGrid>
+              <a:tr h="162933">
+                <a:tc>
+                  <a:txBody>
+                    <a:bodyPr/>
+                    <a:lstStyle/>
+                    <a:p>
+                      <a:pPr>
+                        <a:spcAft>
+                          <a:spcPts val="0"/>
+                        </a:spcAft>
+                      </a:pPr>
+                      <a:r>
+                        <a:rPr lang="es-CO" sz="1300" dirty="0">
+                          <a:solidFill>
+                            <a:schemeClr val="tx1"/>
+                          </a:solidFill>
+                          <a:effectLst/>
+                        </a:rPr>
+                        <a:t>RF </a:t>
+                      </a:r>
+                      <a:r>
+                        <a:rPr lang="es-CO" sz="1300" dirty="0" smtClean="0">
+                          <a:solidFill>
+                            <a:schemeClr val="tx1"/>
+                          </a:solidFill>
+                          <a:effectLst/>
+                        </a:rPr>
+                        <a:t>#7</a:t>
+                      </a:r>
+                      <a:endParaRPr lang="en-US" sz="1300" dirty="0">
+                        <a:solidFill>
+                          <a:schemeClr val="tx1"/>
+                        </a:solidFill>
+                        <a:effectLst/>
+                        <a:latin typeface="Times New Roman" panose="02020603050405020304" pitchFamily="18" charset="0"/>
+                        <a:ea typeface="Times New Roman" panose="02020603050405020304" pitchFamily="18" charset="0"/>
+                        <a:cs typeface="Times New Roman" panose="02020603050405020304" pitchFamily="18" charset="0"/>
+                      </a:endParaRPr>
+                    </a:p>
+                  </a:txBody>
+                  <a:tcPr marL="43417" marR="43417" marT="0" marB="0"/>
+                </a:tc>
+                <a:tc>
+                  <a:txBody>
+                    <a:bodyPr/>
+                    <a:lstStyle/>
+                    <a:p>
+                      <a:pPr>
+                        <a:spcAft>
+                          <a:spcPts val="0"/>
+                        </a:spcAft>
+                      </a:pPr>
+                      <a:r>
+                        <a:rPr lang="es-CO" sz="1300" dirty="0">
+                          <a:effectLst/>
+                        </a:rPr>
+                        <a:t>01 </a:t>
+                      </a:r>
+                      <a:r>
+                        <a:rPr lang="es-CO" sz="1300" dirty="0" smtClean="0">
+                          <a:effectLst/>
+                        </a:rPr>
+                        <a:t>Base</a:t>
+                      </a:r>
+                      <a:r>
+                        <a:rPr lang="es-CO" sz="1300" baseline="0" dirty="0" smtClean="0">
+                          <a:effectLst/>
+                        </a:rPr>
+                        <a:t> de datos</a:t>
+                      </a:r>
+                      <a:endParaRPr lang="en-US" sz="1300" dirty="0">
+                        <a:effectLst/>
+                        <a:latin typeface="Times New Roman" panose="02020603050405020304" pitchFamily="18" charset="0"/>
+                        <a:ea typeface="Times New Roman" panose="02020603050405020304" pitchFamily="18" charset="0"/>
+                        <a:cs typeface="Times New Roman" panose="02020603050405020304" pitchFamily="18" charset="0"/>
+                      </a:endParaRPr>
+                    </a:p>
+                  </a:txBody>
+                  <a:tcPr marL="43417" marR="43417" marT="0" marB="0"/>
+                </a:tc>
+                <a:extLst>
+                  <a:ext uri="{0D108BD9-81ED-4DB2-BD59-A6C34878D82A}">
+                    <a16:rowId xmlns:a16="http://schemas.microsoft.com/office/drawing/2014/main" val="848376227"/>
+                  </a:ext>
+                </a:extLst>
+              </a:tr>
+              <a:tr h="325865">
+                <a:tc>
+                  <a:txBody>
+                    <a:bodyPr/>
+                    <a:lstStyle/>
+                    <a:p>
+                      <a:pPr>
+                        <a:spcAft>
+                          <a:spcPts val="0"/>
+                        </a:spcAft>
+                      </a:pPr>
+                      <a:r>
+                        <a:rPr lang="es-CO" sz="1300" dirty="0" smtClean="0">
+                          <a:solidFill>
+                            <a:schemeClr val="tx1"/>
+                          </a:solidFill>
+                          <a:effectLst/>
+                          <a:latin typeface="+mn-lt"/>
+                          <a:ea typeface="+mn-ea"/>
+                          <a:cs typeface="+mn-cs"/>
+                        </a:rPr>
+                        <a:t>Tablas</a:t>
+                      </a:r>
+                      <a:endParaRPr lang="en-US" sz="1300" dirty="0">
+                        <a:solidFill>
+                          <a:schemeClr val="tx1"/>
+                        </a:solidFill>
+                        <a:effectLst/>
+                        <a:latin typeface="Times New Roman" panose="02020603050405020304" pitchFamily="18" charset="0"/>
+                        <a:ea typeface="Times New Roman" panose="02020603050405020304" pitchFamily="18" charset="0"/>
+                        <a:cs typeface="Times New Roman" panose="02020603050405020304" pitchFamily="18" charset="0"/>
+                      </a:endParaRPr>
+                    </a:p>
+                  </a:txBody>
+                  <a:tcPr marL="43417" marR="43417" marT="0" marB="0"/>
+                </a:tc>
+                <a:tc>
+                  <a:txBody>
+                    <a:bodyPr/>
+                    <a:lstStyle/>
+                    <a:p>
+                      <a:pPr>
+                        <a:spcAft>
+                          <a:spcPts val="0"/>
+                        </a:spcAft>
+                      </a:pPr>
+                      <a:r>
+                        <a:rPr lang="es-CO" sz="1300" dirty="0" smtClean="0">
+                          <a:effectLst/>
+                          <a:latin typeface="+mn-lt"/>
+                          <a:ea typeface="+mn-ea"/>
+                          <a:cs typeface="+mn-cs"/>
+                        </a:rPr>
+                        <a:t>La</a:t>
+                      </a:r>
+                      <a:r>
+                        <a:rPr lang="es-CO" sz="1300" baseline="0" dirty="0" smtClean="0">
+                          <a:effectLst/>
+                          <a:latin typeface="+mn-lt"/>
+                          <a:ea typeface="+mn-ea"/>
+                          <a:cs typeface="+mn-cs"/>
+                        </a:rPr>
+                        <a:t> base de datos debe contar con las tablas de: Usuario, Basura, </a:t>
+                      </a:r>
+                      <a:r>
+                        <a:rPr lang="es-CO" sz="1300" baseline="0" dirty="0" err="1" smtClean="0">
+                          <a:effectLst/>
+                          <a:latin typeface="+mn-lt"/>
+                          <a:ea typeface="+mn-ea"/>
+                          <a:cs typeface="+mn-cs"/>
+                        </a:rPr>
+                        <a:t>Categoria</a:t>
+                      </a:r>
+                      <a:r>
+                        <a:rPr lang="es-CO" sz="1300" baseline="0" dirty="0" smtClean="0">
+                          <a:effectLst/>
+                          <a:latin typeface="+mn-lt"/>
+                          <a:ea typeface="+mn-ea"/>
+                          <a:cs typeface="+mn-cs"/>
+                        </a:rPr>
+                        <a:t> e Historial.</a:t>
+                      </a:r>
+                      <a:endParaRPr lang="en-US" sz="1300" dirty="0">
+                        <a:effectLst/>
+                        <a:latin typeface="Times New Roman" panose="02020603050405020304" pitchFamily="18" charset="0"/>
+                        <a:ea typeface="Times New Roman" panose="02020603050405020304" pitchFamily="18" charset="0"/>
+                        <a:cs typeface="Times New Roman" panose="02020603050405020304" pitchFamily="18" charset="0"/>
+                      </a:endParaRPr>
+                    </a:p>
+                  </a:txBody>
+                  <a:tcPr marL="43417" marR="43417" marT="0" marB="0"/>
+                </a:tc>
+                <a:extLst>
+                  <a:ext uri="{0D108BD9-81ED-4DB2-BD59-A6C34878D82A}">
+                    <a16:rowId xmlns:a16="http://schemas.microsoft.com/office/drawing/2014/main" val="1823794374"/>
+                  </a:ext>
+                </a:extLst>
+              </a:tr>
+              <a:tr h="198415">
+                <a:tc>
+                  <a:txBody>
+                    <a:bodyPr/>
+                    <a:lstStyle/>
+                    <a:p>
+                      <a:pPr>
+                        <a:spcAft>
+                          <a:spcPts val="0"/>
+                        </a:spcAft>
+                      </a:pPr>
+                      <a:r>
+                        <a:rPr lang="es-CO" sz="1300" dirty="0">
+                          <a:solidFill>
+                            <a:schemeClr val="tx1"/>
+                          </a:solidFill>
+                          <a:effectLst/>
+                        </a:rPr>
+                        <a:t>RF </a:t>
+                      </a:r>
+                      <a:r>
+                        <a:rPr lang="es-CO" sz="1300" dirty="0" smtClean="0">
+                          <a:solidFill>
+                            <a:schemeClr val="tx1"/>
+                          </a:solidFill>
+                          <a:effectLst/>
+                        </a:rPr>
+                        <a:t>#7.1</a:t>
+                      </a:r>
+                      <a:endParaRPr lang="en-US" sz="1300" dirty="0">
+                        <a:solidFill>
+                          <a:schemeClr val="tx1"/>
+                        </a:solidFill>
+                        <a:effectLst/>
+                        <a:latin typeface="Times New Roman" panose="02020603050405020304" pitchFamily="18" charset="0"/>
+                        <a:ea typeface="Times New Roman" panose="02020603050405020304" pitchFamily="18" charset="0"/>
+                        <a:cs typeface="Times New Roman" panose="02020603050405020304" pitchFamily="18" charset="0"/>
+                      </a:endParaRPr>
+                    </a:p>
+                  </a:txBody>
+                  <a:tcPr marL="43417" marR="43417" marT="0" marB="0"/>
+                </a:tc>
+                <a:tc>
+                  <a:txBody>
+                    <a:bodyPr/>
+                    <a:lstStyle/>
+                    <a:p>
+                      <a:pPr>
+                        <a:spcAft>
+                          <a:spcPts val="0"/>
+                        </a:spcAft>
+                      </a:pPr>
+                      <a:r>
+                        <a:rPr lang="es-CO" sz="1300" dirty="0" smtClean="0">
+                          <a:effectLst/>
+                        </a:rPr>
+                        <a:t>02 </a:t>
+                      </a:r>
+                      <a:r>
+                        <a:rPr lang="es-CO" sz="1300" dirty="0">
+                          <a:effectLst/>
+                        </a:rPr>
+                        <a:t>Caja</a:t>
+                      </a:r>
+                      <a:endParaRPr lang="en-US" sz="1300" dirty="0">
+                        <a:effectLst/>
+                        <a:latin typeface="Times New Roman" panose="02020603050405020304" pitchFamily="18" charset="0"/>
+                        <a:ea typeface="Times New Roman" panose="02020603050405020304" pitchFamily="18" charset="0"/>
+                        <a:cs typeface="Times New Roman" panose="02020603050405020304" pitchFamily="18" charset="0"/>
+                      </a:endParaRPr>
+                    </a:p>
+                  </a:txBody>
+                  <a:tcPr marL="43417" marR="43417" marT="0" marB="0"/>
+                </a:tc>
+                <a:extLst>
+                  <a:ext uri="{0D108BD9-81ED-4DB2-BD59-A6C34878D82A}">
+                    <a16:rowId xmlns:a16="http://schemas.microsoft.com/office/drawing/2014/main" val="3796273073"/>
+                  </a:ext>
+                </a:extLst>
+              </a:tr>
+              <a:tr h="488798">
+                <a:tc>
+                  <a:txBody>
+                    <a:bodyPr/>
+                    <a:lstStyle/>
+                    <a:p>
+                      <a:pPr>
+                        <a:spcAft>
+                          <a:spcPts val="0"/>
+                        </a:spcAft>
+                      </a:pPr>
+                      <a:r>
+                        <a:rPr lang="es-CO" sz="1300" dirty="0">
+                          <a:solidFill>
+                            <a:schemeClr val="tx1"/>
+                          </a:solidFill>
+                          <a:effectLst/>
+                        </a:rPr>
+                        <a:t>Scanner</a:t>
+                      </a:r>
+                      <a:endParaRPr lang="en-US" sz="1300" dirty="0">
+                        <a:solidFill>
+                          <a:schemeClr val="tx1"/>
+                        </a:solidFill>
+                        <a:effectLst/>
+                        <a:latin typeface="Times New Roman" panose="02020603050405020304" pitchFamily="18" charset="0"/>
+                        <a:ea typeface="Times New Roman" panose="02020603050405020304" pitchFamily="18" charset="0"/>
+                        <a:cs typeface="Times New Roman" panose="02020603050405020304" pitchFamily="18" charset="0"/>
+                      </a:endParaRPr>
+                    </a:p>
+                  </a:txBody>
+                  <a:tcPr marL="43417" marR="43417" marT="0" marB="0"/>
+                </a:tc>
+                <a:tc>
+                  <a:txBody>
+                    <a:bodyPr/>
+                    <a:lstStyle/>
+                    <a:p>
+                      <a:pPr>
+                        <a:spcAft>
+                          <a:spcPts val="0"/>
+                        </a:spcAft>
+                      </a:pPr>
+                      <a:r>
+                        <a:rPr lang="es-CO" sz="1300" dirty="0">
+                          <a:effectLst/>
+                        </a:rPr>
+                        <a:t> El Scanner debe cumplir la función de que cuando una persona deposite un material en la caja, se active inmediatamente el sistema.</a:t>
+                      </a:r>
+                      <a:endParaRPr lang="en-US" sz="1300" dirty="0">
+                        <a:effectLst/>
+                        <a:latin typeface="Times New Roman" panose="02020603050405020304" pitchFamily="18" charset="0"/>
+                        <a:ea typeface="Times New Roman" panose="02020603050405020304" pitchFamily="18" charset="0"/>
+                        <a:cs typeface="Times New Roman" panose="02020603050405020304" pitchFamily="18" charset="0"/>
+                      </a:endParaRPr>
+                    </a:p>
+                  </a:txBody>
+                  <a:tcPr marL="43417" marR="43417" marT="0" marB="0"/>
+                </a:tc>
+                <a:extLst>
+                  <a:ext uri="{0D108BD9-81ED-4DB2-BD59-A6C34878D82A}">
+                    <a16:rowId xmlns:a16="http://schemas.microsoft.com/office/drawing/2014/main" val="1006162690"/>
+                  </a:ext>
+                </a:extLst>
+              </a:tr>
+              <a:tr h="162933">
+                <a:tc>
+                  <a:txBody>
+                    <a:bodyPr/>
+                    <a:lstStyle/>
+                    <a:p>
+                      <a:pPr>
+                        <a:spcAft>
+                          <a:spcPts val="0"/>
+                        </a:spcAft>
+                      </a:pPr>
+                      <a:r>
+                        <a:rPr lang="es-CO" sz="1300" dirty="0">
+                          <a:solidFill>
+                            <a:schemeClr val="tx1"/>
+                          </a:solidFill>
+                          <a:effectLst/>
+                        </a:rPr>
+                        <a:t>RF </a:t>
+                      </a:r>
+                      <a:r>
+                        <a:rPr lang="es-CO" sz="1300" dirty="0" smtClean="0">
+                          <a:solidFill>
+                            <a:schemeClr val="tx1"/>
+                          </a:solidFill>
+                          <a:effectLst/>
+                        </a:rPr>
+                        <a:t>#3</a:t>
+                      </a:r>
+                      <a:endParaRPr lang="en-US" sz="1300" dirty="0">
+                        <a:solidFill>
+                          <a:schemeClr val="tx1"/>
+                        </a:solidFill>
+                        <a:effectLst/>
+                        <a:latin typeface="Times New Roman" panose="02020603050405020304" pitchFamily="18" charset="0"/>
+                        <a:ea typeface="Times New Roman" panose="02020603050405020304" pitchFamily="18" charset="0"/>
+                        <a:cs typeface="Times New Roman" panose="02020603050405020304" pitchFamily="18" charset="0"/>
+                      </a:endParaRPr>
+                    </a:p>
+                  </a:txBody>
+                  <a:tcPr marL="43417" marR="43417" marT="0" marB="0"/>
+                </a:tc>
+                <a:tc>
+                  <a:txBody>
+                    <a:bodyPr/>
+                    <a:lstStyle/>
+                    <a:p>
+                      <a:pPr>
+                        <a:spcAft>
+                          <a:spcPts val="0"/>
+                        </a:spcAft>
+                      </a:pPr>
+                      <a:r>
+                        <a:rPr lang="es-CO" sz="1300" dirty="0" smtClean="0">
+                          <a:effectLst/>
+                        </a:rPr>
+                        <a:t>03 </a:t>
+                      </a:r>
+                      <a:r>
+                        <a:rPr lang="es-CO" sz="1300" dirty="0">
+                          <a:effectLst/>
+                        </a:rPr>
+                        <a:t>Caja</a:t>
+                      </a:r>
+                      <a:endParaRPr lang="en-US" sz="1300" dirty="0">
+                        <a:effectLst/>
+                        <a:latin typeface="Times New Roman" panose="02020603050405020304" pitchFamily="18" charset="0"/>
+                        <a:ea typeface="Times New Roman" panose="02020603050405020304" pitchFamily="18" charset="0"/>
+                        <a:cs typeface="Times New Roman" panose="02020603050405020304" pitchFamily="18" charset="0"/>
+                      </a:endParaRPr>
+                    </a:p>
+                  </a:txBody>
+                  <a:tcPr marL="43417" marR="43417" marT="0" marB="0"/>
+                </a:tc>
+                <a:extLst>
+                  <a:ext uri="{0D108BD9-81ED-4DB2-BD59-A6C34878D82A}">
+                    <a16:rowId xmlns:a16="http://schemas.microsoft.com/office/drawing/2014/main" val="2815492413"/>
+                  </a:ext>
+                </a:extLst>
+              </a:tr>
+              <a:tr h="638236">
+                <a:tc>
+                  <a:txBody>
+                    <a:bodyPr/>
+                    <a:lstStyle/>
+                    <a:p>
+                      <a:pPr>
+                        <a:spcAft>
+                          <a:spcPts val="0"/>
+                        </a:spcAft>
+                      </a:pPr>
+                      <a:r>
+                        <a:rPr lang="es-CO" sz="1300" dirty="0">
+                          <a:solidFill>
+                            <a:schemeClr val="tx1"/>
+                          </a:solidFill>
+                          <a:effectLst/>
+                        </a:rPr>
+                        <a:t>Servomotor 1</a:t>
+                      </a:r>
+                      <a:endParaRPr lang="en-US" sz="1300" dirty="0">
+                        <a:solidFill>
+                          <a:schemeClr val="tx1"/>
+                        </a:solidFill>
+                        <a:effectLst/>
+                        <a:latin typeface="Times New Roman" panose="02020603050405020304" pitchFamily="18" charset="0"/>
+                        <a:ea typeface="Times New Roman" panose="02020603050405020304" pitchFamily="18" charset="0"/>
+                        <a:cs typeface="Times New Roman" panose="02020603050405020304" pitchFamily="18" charset="0"/>
+                      </a:endParaRPr>
+                    </a:p>
+                  </a:txBody>
+                  <a:tcPr marL="43417" marR="43417" marT="0" marB="0"/>
+                </a:tc>
+                <a:tc>
+                  <a:txBody>
+                    <a:bodyPr/>
+                    <a:lstStyle/>
+                    <a:p>
+                      <a:pPr>
+                        <a:spcAft>
+                          <a:spcPts val="0"/>
+                        </a:spcAft>
+                      </a:pPr>
+                      <a:r>
+                        <a:rPr lang="es-CO" sz="1300" dirty="0">
+                          <a:effectLst/>
+                        </a:rPr>
+                        <a:t> Luego de que el material haya sido analizado, el servomotor debe abrir la escotilla para dejar entrar a este hacia los ductos que posteriormente lo llevarán hacia su respectivo basurero. </a:t>
+                      </a:r>
+                      <a:endParaRPr lang="en-US" sz="1300" dirty="0">
+                        <a:effectLst/>
+                        <a:latin typeface="Times New Roman" panose="02020603050405020304" pitchFamily="18" charset="0"/>
+                        <a:ea typeface="Times New Roman" panose="02020603050405020304" pitchFamily="18" charset="0"/>
+                        <a:cs typeface="Times New Roman" panose="02020603050405020304" pitchFamily="18" charset="0"/>
+                      </a:endParaRPr>
+                    </a:p>
+                  </a:txBody>
+                  <a:tcPr marL="43417" marR="43417" marT="0" marB="0"/>
+                </a:tc>
+                <a:extLst>
+                  <a:ext uri="{0D108BD9-81ED-4DB2-BD59-A6C34878D82A}">
+                    <a16:rowId xmlns:a16="http://schemas.microsoft.com/office/drawing/2014/main" val="1125414906"/>
+                  </a:ext>
+                </a:extLst>
+              </a:tr>
+              <a:tr h="162933">
+                <a:tc>
+                  <a:txBody>
+                    <a:bodyPr/>
+                    <a:lstStyle/>
+                    <a:p>
+                      <a:pPr>
+                        <a:spcAft>
+                          <a:spcPts val="0"/>
+                        </a:spcAft>
+                      </a:pPr>
+                      <a:r>
+                        <a:rPr lang="es-CO" sz="1300" dirty="0">
+                          <a:solidFill>
+                            <a:schemeClr val="tx1"/>
+                          </a:solidFill>
+                          <a:effectLst/>
+                        </a:rPr>
+                        <a:t>RF </a:t>
+                      </a:r>
+                      <a:r>
+                        <a:rPr lang="es-CO" sz="1300" dirty="0" smtClean="0">
+                          <a:solidFill>
+                            <a:schemeClr val="tx1"/>
+                          </a:solidFill>
+                          <a:effectLst/>
+                        </a:rPr>
+                        <a:t>#3.1</a:t>
+                      </a:r>
+                      <a:endParaRPr lang="en-US" sz="1300" dirty="0">
+                        <a:solidFill>
+                          <a:schemeClr val="tx1"/>
+                        </a:solidFill>
+                        <a:effectLst/>
+                        <a:latin typeface="Times New Roman" panose="02020603050405020304" pitchFamily="18" charset="0"/>
+                        <a:ea typeface="Times New Roman" panose="02020603050405020304" pitchFamily="18" charset="0"/>
+                        <a:cs typeface="Times New Roman" panose="02020603050405020304" pitchFamily="18" charset="0"/>
+                      </a:endParaRPr>
+                    </a:p>
+                  </a:txBody>
+                  <a:tcPr marL="43417" marR="43417" marT="0" marB="0"/>
+                </a:tc>
+                <a:tc>
+                  <a:txBody>
+                    <a:bodyPr/>
+                    <a:lstStyle/>
+                    <a:p>
+                      <a:pPr>
+                        <a:spcAft>
+                          <a:spcPts val="0"/>
+                        </a:spcAft>
+                      </a:pPr>
+                      <a:r>
+                        <a:rPr lang="es-CO" sz="1300" dirty="0">
+                          <a:effectLst/>
+                        </a:rPr>
+                        <a:t>01 Ductos</a:t>
+                      </a:r>
+                      <a:endParaRPr lang="en-US" sz="1300" dirty="0">
+                        <a:effectLst/>
+                        <a:latin typeface="Times New Roman" panose="02020603050405020304" pitchFamily="18" charset="0"/>
+                        <a:ea typeface="Times New Roman" panose="02020603050405020304" pitchFamily="18" charset="0"/>
+                        <a:cs typeface="Times New Roman" panose="02020603050405020304" pitchFamily="18" charset="0"/>
+                      </a:endParaRPr>
+                    </a:p>
+                  </a:txBody>
+                  <a:tcPr marL="43417" marR="43417" marT="0" marB="0"/>
+                </a:tc>
+                <a:extLst>
+                  <a:ext uri="{0D108BD9-81ED-4DB2-BD59-A6C34878D82A}">
+                    <a16:rowId xmlns:a16="http://schemas.microsoft.com/office/drawing/2014/main" val="1564425522"/>
+                  </a:ext>
+                </a:extLst>
+              </a:tr>
+              <a:tr h="488798">
+                <a:tc>
+                  <a:txBody>
+                    <a:bodyPr/>
+                    <a:lstStyle/>
+                    <a:p>
+                      <a:pPr>
+                        <a:spcAft>
+                          <a:spcPts val="0"/>
+                        </a:spcAft>
+                      </a:pPr>
+                      <a:r>
+                        <a:rPr lang="es-CO" sz="1300" dirty="0">
+                          <a:solidFill>
+                            <a:schemeClr val="tx1"/>
+                          </a:solidFill>
+                          <a:effectLst/>
+                        </a:rPr>
+                        <a:t>Servomotores 2 </a:t>
+                      </a:r>
+                      <a:r>
+                        <a:rPr lang="es-CO" sz="1300" dirty="0" smtClean="0">
+                          <a:solidFill>
+                            <a:schemeClr val="tx1"/>
+                          </a:solidFill>
+                          <a:effectLst/>
+                        </a:rPr>
+                        <a:t>y</a:t>
+                      </a:r>
+                      <a:r>
+                        <a:rPr lang="es-CO" sz="1300" baseline="0" dirty="0" smtClean="0">
+                          <a:solidFill>
+                            <a:schemeClr val="tx1"/>
+                          </a:solidFill>
+                          <a:effectLst/>
+                        </a:rPr>
+                        <a:t> 3</a:t>
+                      </a:r>
+                      <a:endParaRPr lang="en-US" sz="1300" dirty="0">
+                        <a:solidFill>
+                          <a:schemeClr val="tx1"/>
+                        </a:solidFill>
+                        <a:effectLst/>
+                        <a:latin typeface="Times New Roman" panose="02020603050405020304" pitchFamily="18" charset="0"/>
+                        <a:ea typeface="Times New Roman" panose="02020603050405020304" pitchFamily="18" charset="0"/>
+                        <a:cs typeface="Times New Roman" panose="02020603050405020304" pitchFamily="18" charset="0"/>
+                      </a:endParaRPr>
+                    </a:p>
+                  </a:txBody>
+                  <a:tcPr marL="43417" marR="43417" marT="0" marB="0"/>
+                </a:tc>
+                <a:tc>
+                  <a:txBody>
+                    <a:bodyPr/>
+                    <a:lstStyle/>
+                    <a:p>
+                      <a:pPr>
+                        <a:spcAft>
+                          <a:spcPts val="0"/>
+                        </a:spcAft>
+                      </a:pPr>
+                      <a:r>
+                        <a:rPr lang="es-CO" sz="1300" dirty="0">
+                          <a:effectLst/>
+                        </a:rPr>
+                        <a:t> Los servomotores deben </a:t>
+                      </a:r>
+                      <a:r>
+                        <a:rPr lang="es-CO" sz="1300" dirty="0" smtClean="0">
+                          <a:effectLst/>
+                        </a:rPr>
+                        <a:t>mover</a:t>
+                      </a:r>
+                      <a:r>
+                        <a:rPr lang="es-CO" sz="1300" baseline="0" dirty="0" smtClean="0">
+                          <a:effectLst/>
+                        </a:rPr>
+                        <a:t> las </a:t>
+                      </a:r>
+                      <a:r>
+                        <a:rPr lang="es-CO" sz="1300" dirty="0" smtClean="0">
+                          <a:effectLst/>
+                        </a:rPr>
+                        <a:t>escotillas </a:t>
+                      </a:r>
+                      <a:r>
+                        <a:rPr lang="es-CO" sz="1300" dirty="0">
+                          <a:effectLst/>
+                        </a:rPr>
+                        <a:t>dependiendo de las condiciones que arroje el sistema, para así llevar el material a su respectivo basurero.</a:t>
+                      </a:r>
+                      <a:endParaRPr lang="en-US" sz="1300" dirty="0">
+                        <a:effectLst/>
+                        <a:latin typeface="Times New Roman" panose="02020603050405020304" pitchFamily="18" charset="0"/>
+                        <a:ea typeface="Times New Roman" panose="02020603050405020304" pitchFamily="18" charset="0"/>
+                        <a:cs typeface="Times New Roman" panose="02020603050405020304" pitchFamily="18" charset="0"/>
+                      </a:endParaRPr>
+                    </a:p>
+                  </a:txBody>
+                  <a:tcPr marL="43417" marR="43417" marT="0" marB="0"/>
+                </a:tc>
+                <a:extLst>
+                  <a:ext uri="{0D108BD9-81ED-4DB2-BD59-A6C34878D82A}">
+                    <a16:rowId xmlns:a16="http://schemas.microsoft.com/office/drawing/2014/main" val="1479907972"/>
+                  </a:ext>
+                </a:extLst>
+              </a:tr>
+              <a:tr h="162933">
+                <a:tc>
+                  <a:txBody>
+                    <a:bodyPr/>
+                    <a:lstStyle/>
+                    <a:p>
+                      <a:pPr>
+                        <a:spcAft>
+                          <a:spcPts val="0"/>
+                        </a:spcAft>
+                      </a:pPr>
+                      <a:r>
+                        <a:rPr lang="es-CO" sz="1300" dirty="0">
+                          <a:solidFill>
+                            <a:schemeClr val="tx1"/>
+                          </a:solidFill>
+                          <a:effectLst/>
+                        </a:rPr>
+                        <a:t>RF </a:t>
+                      </a:r>
+                      <a:r>
+                        <a:rPr lang="es-CO" sz="1300" dirty="0" smtClean="0">
+                          <a:solidFill>
+                            <a:schemeClr val="tx1"/>
+                          </a:solidFill>
+                          <a:effectLst/>
+                        </a:rPr>
+                        <a:t>#4</a:t>
+                      </a:r>
+                      <a:endParaRPr lang="en-US" sz="1300" dirty="0">
+                        <a:solidFill>
+                          <a:schemeClr val="tx1"/>
+                        </a:solidFill>
+                        <a:effectLst/>
+                        <a:latin typeface="Times New Roman" panose="02020603050405020304" pitchFamily="18" charset="0"/>
+                        <a:ea typeface="Times New Roman" panose="02020603050405020304" pitchFamily="18" charset="0"/>
+                        <a:cs typeface="Times New Roman" panose="02020603050405020304" pitchFamily="18" charset="0"/>
+                      </a:endParaRPr>
+                    </a:p>
+                  </a:txBody>
+                  <a:tcPr marL="43417" marR="43417" marT="0" marB="0"/>
+                </a:tc>
+                <a:tc>
+                  <a:txBody>
+                    <a:bodyPr/>
+                    <a:lstStyle/>
+                    <a:p>
+                      <a:pPr>
+                        <a:spcAft>
+                          <a:spcPts val="0"/>
+                        </a:spcAft>
+                      </a:pPr>
+                      <a:r>
+                        <a:rPr lang="es-CO" sz="1300" dirty="0">
+                          <a:effectLst/>
+                        </a:rPr>
+                        <a:t>01 Sistema</a:t>
+                      </a:r>
+                      <a:endParaRPr lang="en-US" sz="1300" dirty="0">
+                        <a:effectLst/>
+                        <a:latin typeface="Times New Roman" panose="02020603050405020304" pitchFamily="18" charset="0"/>
+                        <a:ea typeface="Times New Roman" panose="02020603050405020304" pitchFamily="18" charset="0"/>
+                        <a:cs typeface="Times New Roman" panose="02020603050405020304" pitchFamily="18" charset="0"/>
+                      </a:endParaRPr>
+                    </a:p>
+                  </a:txBody>
+                  <a:tcPr marL="43417" marR="43417" marT="0" marB="0"/>
+                </a:tc>
+                <a:extLst>
+                  <a:ext uri="{0D108BD9-81ED-4DB2-BD59-A6C34878D82A}">
+                    <a16:rowId xmlns:a16="http://schemas.microsoft.com/office/drawing/2014/main" val="1588586064"/>
+                  </a:ext>
+                </a:extLst>
+              </a:tr>
+              <a:tr h="488798">
+                <a:tc>
+                  <a:txBody>
+                    <a:bodyPr/>
+                    <a:lstStyle/>
+                    <a:p>
+                      <a:pPr>
+                        <a:spcAft>
+                          <a:spcPts val="0"/>
+                        </a:spcAft>
+                      </a:pPr>
+                      <a:r>
+                        <a:rPr lang="es-CO" sz="1300" dirty="0">
+                          <a:solidFill>
+                            <a:schemeClr val="tx1"/>
+                          </a:solidFill>
+                          <a:effectLst/>
+                        </a:rPr>
+                        <a:t>Análisis</a:t>
+                      </a:r>
+                      <a:endParaRPr lang="en-US" sz="1300" dirty="0">
+                        <a:solidFill>
+                          <a:schemeClr val="tx1"/>
+                        </a:solidFill>
+                        <a:effectLst/>
+                        <a:latin typeface="Times New Roman" panose="02020603050405020304" pitchFamily="18" charset="0"/>
+                        <a:ea typeface="Times New Roman" panose="02020603050405020304" pitchFamily="18" charset="0"/>
+                        <a:cs typeface="Times New Roman" panose="02020603050405020304" pitchFamily="18" charset="0"/>
+                      </a:endParaRPr>
+                    </a:p>
+                  </a:txBody>
+                  <a:tcPr marL="43417" marR="43417" marT="0" marB="0"/>
+                </a:tc>
+                <a:tc>
+                  <a:txBody>
+                    <a:bodyPr/>
+                    <a:lstStyle/>
+                    <a:p>
+                      <a:pPr>
+                        <a:spcAft>
+                          <a:spcPts val="0"/>
+                        </a:spcAft>
+                      </a:pPr>
+                      <a:r>
+                        <a:rPr lang="es-CO" sz="1300" dirty="0">
+                          <a:effectLst/>
+                        </a:rPr>
+                        <a:t> El sistema debe analizar el material usando la API de Google llamada </a:t>
+                      </a:r>
+                      <a:r>
+                        <a:rPr lang="es-CO" sz="1300" dirty="0" err="1">
+                          <a:effectLst/>
+                        </a:rPr>
+                        <a:t>Vision</a:t>
+                      </a:r>
+                      <a:r>
+                        <a:rPr lang="es-CO" sz="1300" dirty="0">
+                          <a:effectLst/>
+                        </a:rPr>
+                        <a:t> para así determinar el nombre del objeto que está en la foto.</a:t>
+                      </a:r>
+                      <a:endParaRPr lang="en-US" sz="1300" dirty="0">
+                        <a:effectLst/>
+                        <a:latin typeface="Times New Roman" panose="02020603050405020304" pitchFamily="18" charset="0"/>
+                        <a:ea typeface="Times New Roman" panose="02020603050405020304" pitchFamily="18" charset="0"/>
+                        <a:cs typeface="Times New Roman" panose="02020603050405020304" pitchFamily="18" charset="0"/>
+                      </a:endParaRPr>
+                    </a:p>
+                  </a:txBody>
+                  <a:tcPr marL="43417" marR="43417" marT="0" marB="0"/>
+                </a:tc>
+                <a:extLst>
+                  <a:ext uri="{0D108BD9-81ED-4DB2-BD59-A6C34878D82A}">
+                    <a16:rowId xmlns:a16="http://schemas.microsoft.com/office/drawing/2014/main" val="362086826"/>
+                  </a:ext>
+                </a:extLst>
+              </a:tr>
+              <a:tr h="162933">
+                <a:tc>
+                  <a:txBody>
+                    <a:bodyPr/>
+                    <a:lstStyle/>
+                    <a:p>
+                      <a:pPr>
+                        <a:spcAft>
+                          <a:spcPts val="0"/>
+                        </a:spcAft>
+                      </a:pPr>
+                      <a:r>
+                        <a:rPr lang="es-CO" sz="1300" dirty="0">
+                          <a:solidFill>
+                            <a:schemeClr val="tx1"/>
+                          </a:solidFill>
+                          <a:effectLst/>
+                        </a:rPr>
+                        <a:t>RF </a:t>
+                      </a:r>
+                      <a:r>
+                        <a:rPr lang="es-CO" sz="1300" dirty="0" smtClean="0">
+                          <a:solidFill>
+                            <a:schemeClr val="tx1"/>
+                          </a:solidFill>
+                          <a:effectLst/>
+                        </a:rPr>
+                        <a:t>#5</a:t>
+                      </a:r>
+                      <a:endParaRPr lang="en-US" sz="1300" dirty="0">
+                        <a:solidFill>
+                          <a:schemeClr val="tx1"/>
+                        </a:solidFill>
+                        <a:effectLst/>
+                        <a:latin typeface="Times New Roman" panose="02020603050405020304" pitchFamily="18" charset="0"/>
+                        <a:ea typeface="Times New Roman" panose="02020603050405020304" pitchFamily="18" charset="0"/>
+                        <a:cs typeface="Times New Roman" panose="02020603050405020304" pitchFamily="18" charset="0"/>
+                      </a:endParaRPr>
+                    </a:p>
+                  </a:txBody>
+                  <a:tcPr marL="43417" marR="43417" marT="0" marB="0"/>
+                </a:tc>
+                <a:tc>
+                  <a:txBody>
+                    <a:bodyPr/>
+                    <a:lstStyle/>
+                    <a:p>
+                      <a:pPr>
+                        <a:spcAft>
+                          <a:spcPts val="0"/>
+                        </a:spcAft>
+                      </a:pPr>
+                      <a:r>
+                        <a:rPr lang="es-CO" sz="1300" dirty="0">
+                          <a:effectLst/>
+                        </a:rPr>
+                        <a:t>02 Sistema</a:t>
+                      </a:r>
+                      <a:endParaRPr lang="en-US" sz="1300" dirty="0">
+                        <a:effectLst/>
+                        <a:latin typeface="Times New Roman" panose="02020603050405020304" pitchFamily="18" charset="0"/>
+                        <a:ea typeface="Times New Roman" panose="02020603050405020304" pitchFamily="18" charset="0"/>
+                        <a:cs typeface="Times New Roman" panose="02020603050405020304" pitchFamily="18" charset="0"/>
+                      </a:endParaRPr>
+                    </a:p>
+                  </a:txBody>
+                  <a:tcPr marL="43417" marR="43417" marT="0" marB="0"/>
+                </a:tc>
+                <a:extLst>
+                  <a:ext uri="{0D108BD9-81ED-4DB2-BD59-A6C34878D82A}">
+                    <a16:rowId xmlns:a16="http://schemas.microsoft.com/office/drawing/2014/main" val="14783914"/>
+                  </a:ext>
+                </a:extLst>
+              </a:tr>
+              <a:tr h="488798">
+                <a:tc>
+                  <a:txBody>
+                    <a:bodyPr/>
+                    <a:lstStyle/>
+                    <a:p>
+                      <a:pPr>
+                        <a:spcAft>
+                          <a:spcPts val="0"/>
+                        </a:spcAft>
+                      </a:pPr>
+                      <a:r>
+                        <a:rPr lang="es-CO" sz="1300" dirty="0">
+                          <a:solidFill>
+                            <a:schemeClr val="tx1"/>
+                          </a:solidFill>
+                          <a:effectLst/>
+                        </a:rPr>
+                        <a:t>Filtro</a:t>
+                      </a:r>
+                      <a:endParaRPr lang="en-US" sz="1300" dirty="0">
+                        <a:solidFill>
+                          <a:schemeClr val="tx1"/>
+                        </a:solidFill>
+                        <a:effectLst/>
+                        <a:latin typeface="Times New Roman" panose="02020603050405020304" pitchFamily="18" charset="0"/>
+                        <a:ea typeface="Times New Roman" panose="02020603050405020304" pitchFamily="18" charset="0"/>
+                        <a:cs typeface="Times New Roman" panose="02020603050405020304" pitchFamily="18" charset="0"/>
+                      </a:endParaRPr>
+                    </a:p>
+                  </a:txBody>
+                  <a:tcPr marL="43417" marR="43417" marT="0" marB="0"/>
+                </a:tc>
+                <a:tc>
+                  <a:txBody>
+                    <a:bodyPr/>
+                    <a:lstStyle/>
+                    <a:p>
+                      <a:pPr>
+                        <a:spcAft>
+                          <a:spcPts val="0"/>
+                        </a:spcAft>
+                      </a:pPr>
+                      <a:r>
+                        <a:rPr lang="es-CO" sz="1300" dirty="0">
+                          <a:effectLst/>
+                        </a:rPr>
+                        <a:t> El sistema debe tomar el </a:t>
+                      </a:r>
+                      <a:r>
+                        <a:rPr lang="es-CO" sz="1300" dirty="0" smtClean="0">
+                          <a:effectLst/>
+                        </a:rPr>
+                        <a:t>nombre </a:t>
+                      </a:r>
+                      <a:r>
+                        <a:rPr lang="es-CO" sz="1300" dirty="0">
+                          <a:effectLst/>
+                        </a:rPr>
+                        <a:t>del objeto de la foto para buscar en la base de datos </a:t>
+                      </a:r>
+                      <a:r>
+                        <a:rPr lang="es-CO" sz="1300" dirty="0" smtClean="0">
+                          <a:effectLst/>
+                        </a:rPr>
+                        <a:t>la</a:t>
+                      </a:r>
+                      <a:r>
+                        <a:rPr lang="es-CO" sz="1300" baseline="0" dirty="0" smtClean="0">
+                          <a:effectLst/>
+                        </a:rPr>
+                        <a:t> categoría</a:t>
+                      </a:r>
+                      <a:r>
+                        <a:rPr lang="es-CO" sz="1300" dirty="0" smtClean="0">
+                          <a:effectLst/>
+                        </a:rPr>
+                        <a:t> a</a:t>
+                      </a:r>
+                      <a:r>
+                        <a:rPr lang="es-CO" sz="1300" baseline="0" dirty="0" smtClean="0">
+                          <a:effectLst/>
+                        </a:rPr>
+                        <a:t> la</a:t>
+                      </a:r>
+                      <a:r>
+                        <a:rPr lang="es-CO" sz="1300" dirty="0" smtClean="0">
+                          <a:effectLst/>
+                        </a:rPr>
+                        <a:t> </a:t>
+                      </a:r>
+                      <a:r>
+                        <a:rPr lang="es-CO" sz="1300" dirty="0">
+                          <a:effectLst/>
+                        </a:rPr>
+                        <a:t>que pertenece.</a:t>
+                      </a:r>
+                      <a:endParaRPr lang="en-US" sz="1300" dirty="0">
+                        <a:effectLst/>
+                        <a:latin typeface="Times New Roman" panose="02020603050405020304" pitchFamily="18" charset="0"/>
+                        <a:ea typeface="Times New Roman" panose="02020603050405020304" pitchFamily="18" charset="0"/>
+                        <a:cs typeface="Times New Roman" panose="02020603050405020304" pitchFamily="18" charset="0"/>
+                      </a:endParaRPr>
+                    </a:p>
+                  </a:txBody>
+                  <a:tcPr marL="43417" marR="43417" marT="0" marB="0"/>
+                </a:tc>
+                <a:extLst>
+                  <a:ext uri="{0D108BD9-81ED-4DB2-BD59-A6C34878D82A}">
+                    <a16:rowId xmlns:a16="http://schemas.microsoft.com/office/drawing/2014/main" val="149762803"/>
+                  </a:ext>
+                </a:extLst>
+              </a:tr>
+              <a:tr h="162933">
+                <a:tc>
+                  <a:txBody>
+                    <a:bodyPr/>
+                    <a:lstStyle/>
+                    <a:p>
+                      <a:pPr>
+                        <a:spcAft>
+                          <a:spcPts val="0"/>
+                        </a:spcAft>
+                      </a:pPr>
+                      <a:r>
+                        <a:rPr lang="es-CO" sz="1300" dirty="0">
+                          <a:solidFill>
+                            <a:schemeClr val="tx1"/>
+                          </a:solidFill>
+                          <a:effectLst/>
+                        </a:rPr>
+                        <a:t>RF </a:t>
+                      </a:r>
+                      <a:r>
+                        <a:rPr lang="es-CO" sz="1300" dirty="0" smtClean="0">
+                          <a:solidFill>
+                            <a:schemeClr val="tx1"/>
+                          </a:solidFill>
+                          <a:effectLst/>
+                        </a:rPr>
+                        <a:t>#6</a:t>
+                      </a:r>
+                      <a:endParaRPr lang="en-US" sz="1300" dirty="0">
+                        <a:solidFill>
+                          <a:schemeClr val="tx1"/>
+                        </a:solidFill>
+                        <a:effectLst/>
+                        <a:latin typeface="Times New Roman" panose="02020603050405020304" pitchFamily="18" charset="0"/>
+                        <a:ea typeface="Times New Roman" panose="02020603050405020304" pitchFamily="18" charset="0"/>
+                        <a:cs typeface="Times New Roman" panose="02020603050405020304" pitchFamily="18" charset="0"/>
+                      </a:endParaRPr>
+                    </a:p>
+                  </a:txBody>
+                  <a:tcPr marL="43417" marR="43417" marT="0" marB="0"/>
+                </a:tc>
+                <a:tc>
+                  <a:txBody>
+                    <a:bodyPr/>
+                    <a:lstStyle/>
+                    <a:p>
+                      <a:pPr>
+                        <a:spcAft>
+                          <a:spcPts val="0"/>
+                        </a:spcAft>
+                      </a:pPr>
+                      <a:r>
+                        <a:rPr lang="es-CO" sz="1300" dirty="0">
+                          <a:effectLst/>
+                        </a:rPr>
+                        <a:t>03 Sistema</a:t>
+                      </a:r>
+                      <a:endParaRPr lang="en-US" sz="1300" dirty="0">
+                        <a:effectLst/>
+                        <a:latin typeface="Times New Roman" panose="02020603050405020304" pitchFamily="18" charset="0"/>
+                        <a:ea typeface="Times New Roman" panose="02020603050405020304" pitchFamily="18" charset="0"/>
+                        <a:cs typeface="Times New Roman" panose="02020603050405020304" pitchFamily="18" charset="0"/>
+                      </a:endParaRPr>
+                    </a:p>
+                  </a:txBody>
+                  <a:tcPr marL="43417" marR="43417" marT="0" marB="0"/>
+                </a:tc>
+                <a:extLst>
+                  <a:ext uri="{0D108BD9-81ED-4DB2-BD59-A6C34878D82A}">
+                    <a16:rowId xmlns:a16="http://schemas.microsoft.com/office/drawing/2014/main" val="330776940"/>
+                  </a:ext>
+                </a:extLst>
+              </a:tr>
+              <a:tr h="325865">
+                <a:tc>
+                  <a:txBody>
+                    <a:bodyPr/>
+                    <a:lstStyle/>
+                    <a:p>
+                      <a:pPr>
+                        <a:spcAft>
+                          <a:spcPts val="0"/>
+                        </a:spcAft>
+                      </a:pPr>
+                      <a:r>
+                        <a:rPr lang="es-CO" sz="1300" dirty="0">
+                          <a:solidFill>
+                            <a:schemeClr val="tx1"/>
+                          </a:solidFill>
+                          <a:effectLst/>
+                        </a:rPr>
+                        <a:t>Condiciones</a:t>
+                      </a:r>
+                      <a:endParaRPr lang="en-US" sz="1300" dirty="0">
+                        <a:solidFill>
+                          <a:schemeClr val="tx1"/>
+                        </a:solidFill>
+                        <a:effectLst/>
+                        <a:latin typeface="Times New Roman" panose="02020603050405020304" pitchFamily="18" charset="0"/>
+                        <a:ea typeface="Times New Roman" panose="02020603050405020304" pitchFamily="18" charset="0"/>
+                        <a:cs typeface="Times New Roman" panose="02020603050405020304" pitchFamily="18" charset="0"/>
+                      </a:endParaRPr>
+                    </a:p>
+                  </a:txBody>
+                  <a:tcPr marL="43417" marR="43417" marT="0" marB="0"/>
+                </a:tc>
+                <a:tc>
+                  <a:txBody>
+                    <a:bodyPr/>
+                    <a:lstStyle/>
+                    <a:p>
+                      <a:pPr>
+                        <a:spcAft>
+                          <a:spcPts val="0"/>
+                        </a:spcAft>
+                      </a:pPr>
+                      <a:r>
+                        <a:rPr lang="es-CO" sz="1300" dirty="0">
+                          <a:effectLst/>
+                        </a:rPr>
+                        <a:t> El sistema debe realizar unas condiciones para determinar </a:t>
+                      </a:r>
+                      <a:r>
+                        <a:rPr lang="es-CO" sz="1300" dirty="0" smtClean="0">
+                          <a:effectLst/>
+                        </a:rPr>
+                        <a:t>hacia</a:t>
+                      </a:r>
+                      <a:r>
+                        <a:rPr lang="es-CO" sz="1300" baseline="0" dirty="0" smtClean="0">
+                          <a:effectLst/>
+                        </a:rPr>
+                        <a:t> que lugar mover los</a:t>
+                      </a:r>
+                      <a:r>
+                        <a:rPr lang="es-CO" sz="1300" dirty="0" smtClean="0">
+                          <a:effectLst/>
+                        </a:rPr>
+                        <a:t> servomotores </a:t>
+                      </a:r>
+                      <a:r>
+                        <a:rPr lang="es-CO" sz="1300" dirty="0">
+                          <a:effectLst/>
+                        </a:rPr>
+                        <a:t>para llevar el objeto a su respectivo basurero.</a:t>
+                      </a:r>
+                      <a:endParaRPr lang="en-US" sz="1300" dirty="0">
+                        <a:effectLst/>
+                        <a:latin typeface="Times New Roman" panose="02020603050405020304" pitchFamily="18" charset="0"/>
+                        <a:ea typeface="Times New Roman" panose="02020603050405020304" pitchFamily="18" charset="0"/>
+                        <a:cs typeface="Times New Roman" panose="02020603050405020304" pitchFamily="18" charset="0"/>
+                      </a:endParaRPr>
+                    </a:p>
+                  </a:txBody>
+                  <a:tcPr marL="43417" marR="43417" marT="0" marB="0"/>
+                </a:tc>
+                <a:extLst>
+                  <a:ext uri="{0D108BD9-81ED-4DB2-BD59-A6C34878D82A}">
+                    <a16:rowId xmlns:a16="http://schemas.microsoft.com/office/drawing/2014/main" val="4258149965"/>
+                  </a:ext>
+                </a:extLst>
+              </a:tr>
+            </a:tbl>
+          </a:graphicData>
+        </a:graphic>
+      </p:graphicFrame>
+    </p:spTree>
+    <p:extLst>
+      <p:ext uri="{BB962C8B-B14F-4D97-AF65-F5344CB8AC3E}">
+        <p14:creationId xmlns:p14="http://schemas.microsoft.com/office/powerpoint/2010/main" val="721214119"/>
+      </p:ext>
+    </p:extLst>
+  </p:cSld>
+  <p:clrMapOvr>
+    <a:masterClrMapping/>
+  </p:clrMapOvr>
+  <p:timing>
+    <p:tnLst>
+      <p:par>
+        <p:cTn id="1" dur="indefinite" restart="never" nodeType="tmRoot"/>
+      </p:par>
+    </p:tnLst>
+  </p:timing>
+</p:sld>
+</file>
+
+<file path=ppt/slides/slide8.xml><?xml version="1.0" encoding="utf-8"?>
 <p:sld xmlns:a="http://schemas.openxmlformats.org/drawingml/2006/main" xmlns:r="http://schemas.openxmlformats.org/officeDocument/2006/relationships" xmlns:p="http://schemas.openxmlformats.org/presentationml/2006/main">
   <p:cSld>
     <p:spTree>
@@ -5996,103 +7436,6 @@
     <p:extLst>
       <p:ext uri="{BB962C8B-B14F-4D97-AF65-F5344CB8AC3E}">
         <p14:creationId xmlns:p14="http://schemas.microsoft.com/office/powerpoint/2010/main" val="915676831"/>
-      </p:ext>
-    </p:extLst>
-  </p:cSld>
-  <p:clrMapOvr>
-    <a:masterClrMapping/>
-  </p:clrMapOvr>
-  <p:timing>
-    <p:tnLst>
-      <p:par>
-        <p:cTn id="1" dur="indefinite" restart="never" nodeType="tmRoot"/>
-      </p:par>
-    </p:tnLst>
-  </p:timing>
-</p:sld>
-</file>
-
-<file path=ppt/slides/slide8.xml><?xml version="1.0" encoding="utf-8"?>
-<p:sld xmlns:a="http://schemas.openxmlformats.org/drawingml/2006/main" xmlns:r="http://schemas.openxmlformats.org/officeDocument/2006/relationships" xmlns:p="http://schemas.openxmlformats.org/presentationml/2006/main">
-  <p:cSld>
-    <p:spTree>
-      <p:nvGrpSpPr>
-        <p:cNvPr id="1" name=""/>
-        <p:cNvGrpSpPr/>
-        <p:nvPr/>
-      </p:nvGrpSpPr>
-      <p:grpSpPr>
-        <a:xfrm>
-          <a:off x="0" y="0"/>
-          <a:ext cx="0" cy="0"/>
-          <a:chOff x="0" y="0"/>
-          <a:chExt cx="0" cy="0"/>
-        </a:xfrm>
-      </p:grpSpPr>
-      <p:pic>
-        <p:nvPicPr>
-          <p:cNvPr id="4" name="Imagen 3"/>
-          <p:cNvPicPr>
-            <a:picLocks noChangeAspect="1"/>
-          </p:cNvPicPr>
-          <p:nvPr/>
-        </p:nvPicPr>
-        <p:blipFill>
-          <a:blip r:embed="rId2" cstate="print">
-            <a:extLst>
-              <a:ext uri="{28A0092B-C50C-407E-A947-70E740481C1C}">
-                <a14:useLocalDpi xmlns:a14="http://schemas.microsoft.com/office/drawing/2010/main" val="0"/>
-              </a:ext>
-            </a:extLst>
-          </a:blip>
-          <a:stretch>
-            <a:fillRect/>
-          </a:stretch>
-        </p:blipFill>
-        <p:spPr>
-          <a:xfrm>
-            <a:off x="0" y="0"/>
-            <a:ext cx="12192000" cy="6858000"/>
-          </a:xfrm>
-          <a:prstGeom prst="rect">
-            <a:avLst/>
-          </a:prstGeom>
-        </p:spPr>
-      </p:pic>
-      <p:pic>
-        <p:nvPicPr>
-          <p:cNvPr id="5" name="Imagen 4"/>
-          <p:cNvPicPr>
-            <a:picLocks noChangeAspect="1"/>
-          </p:cNvPicPr>
-          <p:nvPr/>
-        </p:nvPicPr>
-        <p:blipFill>
-          <a:blip r:embed="rId3" cstate="print">
-            <a:extLst>
-              <a:ext uri="{28A0092B-C50C-407E-A947-70E740481C1C}">
-                <a14:useLocalDpi xmlns:a14="http://schemas.microsoft.com/office/drawing/2010/main" val="0"/>
-              </a:ext>
-            </a:extLst>
-          </a:blip>
-          <a:stretch>
-            <a:fillRect/>
-          </a:stretch>
-        </p:blipFill>
-        <p:spPr>
-          <a:xfrm>
-            <a:off x="1658983" y="-1"/>
-            <a:ext cx="8373291" cy="6858000"/>
-          </a:xfrm>
-          <a:prstGeom prst="rect">
-            <a:avLst/>
-          </a:prstGeom>
-        </p:spPr>
-      </p:pic>
-    </p:spTree>
-    <p:extLst>
-      <p:ext uri="{BB962C8B-B14F-4D97-AF65-F5344CB8AC3E}">
-        <p14:creationId xmlns:p14="http://schemas.microsoft.com/office/powerpoint/2010/main" val="3066148774"/>
       </p:ext>
     </p:extLst>
   </p:cSld>
@@ -6178,8 +7521,8 @@
         </p:blipFill>
         <p:spPr>
           <a:xfrm>
-            <a:off x="1685109" y="0"/>
-            <a:ext cx="8360228" cy="6858000"/>
+            <a:off x="1658983" y="-1"/>
+            <a:ext cx="8373291" cy="6858000"/>
           </a:xfrm>
           <a:prstGeom prst="rect">
             <a:avLst/>
@@ -6189,7 +7532,7 @@
     </p:spTree>
     <p:extLst>
       <p:ext uri="{BB962C8B-B14F-4D97-AF65-F5344CB8AC3E}">
-        <p14:creationId xmlns:p14="http://schemas.microsoft.com/office/powerpoint/2010/main" val="209474173"/>
+        <p14:creationId xmlns:p14="http://schemas.microsoft.com/office/powerpoint/2010/main" val="3066148774"/>
       </p:ext>
     </p:extLst>
   </p:cSld>
